--- a/Apresentação/Apresentação_TG 2020.3.pptx
+++ b/Apresentação/Apresentação_TG 2020.3.pptx
@@ -246,7 +246,7 @@
           <a:p>
             <a:fld id="{CF4A2FFA-ACC2-4648-B6E0-562B133EF42F}" type="datetimeFigureOut">
               <a:rPr lang="pt-BR" smtClean="0"/>
-              <a:t>30/10/2020</a:t>
+              <a:t>14/11/2020</a:t>
             </a:fld>
             <a:endParaRPr lang="pt-BR"/>
           </a:p>
@@ -1259,6 +1259,238 @@
 </file>
 
 <file path=ppt/notesSlides/notesSlide14.xml><?xml version="1.0" encoding="utf-8"?>
+<p:notes xmlns:a="http://schemas.openxmlformats.org/drawingml/2006/main" xmlns:r="http://schemas.openxmlformats.org/officeDocument/2006/relationships" xmlns:p="http://schemas.openxmlformats.org/presentationml/2006/main">
+  <p:cSld>
+    <p:spTree>
+      <p:nvGrpSpPr>
+        <p:cNvPr id="1" name=""/>
+        <p:cNvGrpSpPr/>
+        <p:nvPr/>
+      </p:nvGrpSpPr>
+      <p:grpSpPr>
+        <a:xfrm>
+          <a:off x="0" y="0"/>
+          <a:ext cx="0" cy="0"/>
+          <a:chOff x="0" y="0"/>
+          <a:chExt cx="0" cy="0"/>
+        </a:xfrm>
+      </p:grpSpPr>
+      <p:sp>
+        <p:nvSpPr>
+          <p:cNvPr id="2" name="Slide Image Placeholder 1"/>
+          <p:cNvSpPr>
+            <a:spLocks noGrp="1" noRot="1" noChangeAspect="1"/>
+          </p:cNvSpPr>
+          <p:nvPr>
+            <p:ph type="sldImg"/>
+          </p:nvPr>
+        </p:nvSpPr>
+        <p:spPr/>
+      </p:sp>
+      <p:sp>
+        <p:nvSpPr>
+          <p:cNvPr id="3" name="Notes Placeholder 2"/>
+          <p:cNvSpPr>
+            <a:spLocks noGrp="1"/>
+          </p:cNvSpPr>
+          <p:nvPr>
+            <p:ph type="body" idx="1"/>
+          </p:nvPr>
+        </p:nvSpPr>
+        <p:spPr/>
+        <p:txBody>
+          <a:bodyPr/>
+          <a:lstStyle/>
+          <a:p>
+            <a:pPr marL="0" marR="0" indent="0" algn="l" defTabSz="914400" rtl="0" eaLnBrk="1" fontAlgn="auto" latinLnBrk="0" hangingPunct="1">
+              <a:lnSpc>
+                <a:spcPct val="100000"/>
+              </a:lnSpc>
+              <a:spcBef>
+                <a:spcPts val="0"/>
+              </a:spcBef>
+              <a:spcAft>
+                <a:spcPts val="0"/>
+              </a:spcAft>
+              <a:buClrTx/>
+              <a:buSzTx/>
+              <a:buFontTx/>
+              <a:buNone/>
+              <a:tabLst/>
+              <a:defRPr/>
+            </a:pPr>
+            <a:r>
+              <a:rPr lang="pt-BR" sz="1200" b="1" kern="1200" dirty="0" smtClean="0">
+                <a:solidFill>
+                  <a:schemeClr val="tx1"/>
+                </a:solidFill>
+                <a:effectLst/>
+                <a:latin typeface="+mn-lt"/>
+                <a:ea typeface="+mn-ea"/>
+                <a:cs typeface="+mn-cs"/>
+              </a:rPr>
+              <a:t>Tabela 4</a:t>
+            </a:r>
+            <a:r>
+              <a:rPr lang="pt-BR" sz="1200" b="0" kern="1200" dirty="0" smtClean="0">
+                <a:solidFill>
+                  <a:schemeClr val="tx1"/>
+                </a:solidFill>
+                <a:effectLst/>
+                <a:latin typeface="+mn-lt"/>
+                <a:ea typeface="+mn-ea"/>
+                <a:cs typeface="+mn-cs"/>
+              </a:rPr>
+              <a:t> Erro médio, desvio padrão, erro máximo e erro mínimo de predição da posição da EM, em metros, para as técnicas FP-</a:t>
+            </a:r>
+            <a:r>
+              <a:rPr lang="pt-BR" sz="1200" b="0" i="1" kern="1200" dirty="0" smtClean="0">
+                <a:solidFill>
+                  <a:schemeClr val="tx1"/>
+                </a:solidFill>
+                <a:effectLst/>
+                <a:latin typeface="+mn-lt"/>
+                <a:ea typeface="+mn-ea"/>
+                <a:cs typeface="+mn-cs"/>
+              </a:rPr>
+              <a:t>Fingerprinting</a:t>
+            </a:r>
+            <a:r>
+              <a:rPr lang="pt-BR" sz="1200" b="0" kern="1200" dirty="0" smtClean="0">
+                <a:solidFill>
+                  <a:schemeClr val="tx1"/>
+                </a:solidFill>
+                <a:effectLst/>
+                <a:latin typeface="+mn-lt"/>
+                <a:ea typeface="+mn-ea"/>
+                <a:cs typeface="+mn-cs"/>
+              </a:rPr>
+              <a:t> e FP-SVR nos ambientes </a:t>
+            </a:r>
+            <a:r>
+              <a:rPr lang="pt-BR" sz="1200" b="0" i="1" kern="1200" dirty="0" smtClean="0">
+                <a:solidFill>
+                  <a:schemeClr val="tx1"/>
+                </a:solidFill>
+                <a:effectLst/>
+                <a:latin typeface="+mn-lt"/>
+                <a:ea typeface="+mn-ea"/>
+                <a:cs typeface="+mn-cs"/>
+              </a:rPr>
+              <a:t>Outdoor, Indoor</a:t>
+            </a:r>
+            <a:r>
+              <a:rPr lang="pt-BR" sz="1200" b="0" kern="1200" dirty="0" smtClean="0">
+                <a:solidFill>
+                  <a:schemeClr val="tx1"/>
+                </a:solidFill>
+                <a:effectLst/>
+                <a:latin typeface="+mn-lt"/>
+                <a:ea typeface="+mn-ea"/>
+                <a:cs typeface="+mn-cs"/>
+              </a:rPr>
+              <a:t> e </a:t>
+            </a:r>
+            <a:r>
+              <a:rPr lang="pt-BR" sz="1200" b="0" i="1" kern="1200" dirty="0" smtClean="0">
+                <a:solidFill>
+                  <a:schemeClr val="tx1"/>
+                </a:solidFill>
+                <a:effectLst/>
+                <a:latin typeface="+mn-lt"/>
+                <a:ea typeface="+mn-ea"/>
+                <a:cs typeface="+mn-cs"/>
+              </a:rPr>
+              <a:t>Indoor-Outdoor. </a:t>
+            </a:r>
+            <a:r>
+              <a:rPr lang="pt-BR" sz="1200" b="0" kern="1200" dirty="0" smtClean="0">
+                <a:solidFill>
+                  <a:schemeClr val="tx1"/>
+                </a:solidFill>
+                <a:effectLst/>
+                <a:latin typeface="+mn-lt"/>
+                <a:ea typeface="+mn-ea"/>
+                <a:cs typeface="+mn-cs"/>
+              </a:rPr>
+              <a:t>A média, desvio padrão, erro mínimo e máximo são obtidos por meio de validação cruzada com k = 5.</a:t>
+            </a:r>
+            <a:r>
+              <a:rPr lang="pt-BR" sz="1200" b="0" i="1" kern="1200" dirty="0" smtClean="0">
+                <a:solidFill>
+                  <a:schemeClr val="tx1"/>
+                </a:solidFill>
+                <a:effectLst/>
+                <a:latin typeface="+mn-lt"/>
+                <a:ea typeface="+mn-ea"/>
+                <a:cs typeface="+mn-cs"/>
+              </a:rPr>
+              <a:t> </a:t>
+            </a:r>
+            <a:r>
+              <a:rPr lang="pt-BR" sz="1200" b="0" i="1" kern="1200" dirty="0" err="1" smtClean="0">
+                <a:solidFill>
+                  <a:schemeClr val="tx1"/>
+                </a:solidFill>
+                <a:effectLst/>
+                <a:latin typeface="+mn-lt"/>
+                <a:ea typeface="+mn-ea"/>
+                <a:cs typeface="+mn-cs"/>
+              </a:rPr>
+              <a:t>folds</a:t>
+            </a:r>
+            <a:endParaRPr lang="pt-BR" sz="1200" b="1" kern="1200" dirty="0" smtClean="0">
+              <a:solidFill>
+                <a:schemeClr val="tx1"/>
+              </a:solidFill>
+              <a:effectLst/>
+              <a:latin typeface="+mn-lt"/>
+              <a:ea typeface="+mn-ea"/>
+              <a:cs typeface="+mn-cs"/>
+            </a:endParaRPr>
+          </a:p>
+          <a:p>
+            <a:endParaRPr lang="pt-BR" dirty="0"/>
+          </a:p>
+        </p:txBody>
+      </p:sp>
+      <p:sp>
+        <p:nvSpPr>
+          <p:cNvPr id="4" name="Slide Number Placeholder 3"/>
+          <p:cNvSpPr>
+            <a:spLocks noGrp="1"/>
+          </p:cNvSpPr>
+          <p:nvPr>
+            <p:ph type="sldNum" sz="quarter" idx="10"/>
+          </p:nvPr>
+        </p:nvSpPr>
+        <p:spPr/>
+        <p:txBody>
+          <a:bodyPr/>
+          <a:lstStyle/>
+          <a:p>
+            <a:fld id="{8E8EDB91-DF02-4E82-B269-99750289FC48}" type="slidenum">
+              <a:rPr lang="pt-BR" smtClean="0"/>
+              <a:t>31</a:t>
+            </a:fld>
+            <a:endParaRPr lang="pt-BR"/>
+          </a:p>
+        </p:txBody>
+      </p:sp>
+    </p:spTree>
+    <p:extLst>
+      <p:ext uri="{BB962C8B-B14F-4D97-AF65-F5344CB8AC3E}">
+        <p14:creationId xmlns:p14="http://schemas.microsoft.com/office/powerpoint/2010/main" val="3763454793"/>
+      </p:ext>
+    </p:extLst>
+  </p:cSld>
+  <p:clrMapOvr>
+    <a:masterClrMapping/>
+  </p:clrMapOvr>
+</p:notes>
+</file>
+
+<file path=ppt/notesSlides/notesSlide15.xml><?xml version="1.0" encoding="utf-8"?>
 <p:notes xmlns:a="http://schemas.openxmlformats.org/drawingml/2006/main" xmlns:r="http://schemas.openxmlformats.org/officeDocument/2006/relationships" xmlns:p="http://schemas.openxmlformats.org/presentationml/2006/main">
   <p:cSld>
     <p:spTree>
@@ -4454,7 +4686,7 @@
           <a:p>
             <a:fld id="{6E29202C-A5B6-4562-B338-5BE8F533F3AC}" type="datetimeFigureOut">
               <a:rPr lang="pt-BR" smtClean="0"/>
-              <a:t>30/10/2020</a:t>
+              <a:t>14/11/2020</a:t>
             </a:fld>
             <a:endParaRPr lang="pt-BR"/>
           </a:p>
@@ -4624,7 +4856,7 @@
           <a:p>
             <a:fld id="{6E29202C-A5B6-4562-B338-5BE8F533F3AC}" type="datetimeFigureOut">
               <a:rPr lang="pt-BR" smtClean="0"/>
-              <a:t>30/10/2020</a:t>
+              <a:t>14/11/2020</a:t>
             </a:fld>
             <a:endParaRPr lang="pt-BR"/>
           </a:p>
@@ -4804,7 +5036,7 @@
           <a:p>
             <a:fld id="{6E29202C-A5B6-4562-B338-5BE8F533F3AC}" type="datetimeFigureOut">
               <a:rPr lang="pt-BR" smtClean="0"/>
-              <a:t>30/10/2020</a:t>
+              <a:t>14/11/2020</a:t>
             </a:fld>
             <a:endParaRPr lang="pt-BR"/>
           </a:p>
@@ -4974,7 +5206,7 @@
           <a:p>
             <a:fld id="{6E29202C-A5B6-4562-B338-5BE8F533F3AC}" type="datetimeFigureOut">
               <a:rPr lang="pt-BR" smtClean="0"/>
-              <a:t>30/10/2020</a:t>
+              <a:t>14/11/2020</a:t>
             </a:fld>
             <a:endParaRPr lang="pt-BR"/>
           </a:p>
@@ -5220,7 +5452,7 @@
           <a:p>
             <a:fld id="{6E29202C-A5B6-4562-B338-5BE8F533F3AC}" type="datetimeFigureOut">
               <a:rPr lang="pt-BR" smtClean="0"/>
-              <a:t>30/10/2020</a:t>
+              <a:t>14/11/2020</a:t>
             </a:fld>
             <a:endParaRPr lang="pt-BR"/>
           </a:p>
@@ -5452,7 +5684,7 @@
           <a:p>
             <a:fld id="{6E29202C-A5B6-4562-B338-5BE8F533F3AC}" type="datetimeFigureOut">
               <a:rPr lang="pt-BR" smtClean="0"/>
-              <a:t>30/10/2020</a:t>
+              <a:t>14/11/2020</a:t>
             </a:fld>
             <a:endParaRPr lang="pt-BR"/>
           </a:p>
@@ -5819,7 +6051,7 @@
           <a:p>
             <a:fld id="{6E29202C-A5B6-4562-B338-5BE8F533F3AC}" type="datetimeFigureOut">
               <a:rPr lang="pt-BR" smtClean="0"/>
-              <a:t>30/10/2020</a:t>
+              <a:t>14/11/2020</a:t>
             </a:fld>
             <a:endParaRPr lang="pt-BR"/>
           </a:p>
@@ -5937,7 +6169,7 @@
           <a:p>
             <a:fld id="{6E29202C-A5B6-4562-B338-5BE8F533F3AC}" type="datetimeFigureOut">
               <a:rPr lang="pt-BR" smtClean="0"/>
-              <a:t>30/10/2020</a:t>
+              <a:t>14/11/2020</a:t>
             </a:fld>
             <a:endParaRPr lang="pt-BR"/>
           </a:p>
@@ -6032,7 +6264,7 @@
           <a:p>
             <a:fld id="{6E29202C-A5B6-4562-B338-5BE8F533F3AC}" type="datetimeFigureOut">
               <a:rPr lang="pt-BR" smtClean="0"/>
-              <a:t>30/10/2020</a:t>
+              <a:t>14/11/2020</a:t>
             </a:fld>
             <a:endParaRPr lang="pt-BR"/>
           </a:p>
@@ -6309,7 +6541,7 @@
           <a:p>
             <a:fld id="{6E29202C-A5B6-4562-B338-5BE8F533F3AC}" type="datetimeFigureOut">
               <a:rPr lang="pt-BR" smtClean="0"/>
-              <a:t>30/10/2020</a:t>
+              <a:t>14/11/2020</a:t>
             </a:fld>
             <a:endParaRPr lang="pt-BR"/>
           </a:p>
@@ -6562,7 +6794,7 @@
           <a:p>
             <a:fld id="{6E29202C-A5B6-4562-B338-5BE8F533F3AC}" type="datetimeFigureOut">
               <a:rPr lang="pt-BR" smtClean="0"/>
-              <a:t>30/10/2020</a:t>
+              <a:t>14/11/2020</a:t>
             </a:fld>
             <a:endParaRPr lang="pt-BR"/>
           </a:p>
@@ -6775,7 +7007,7 @@
           <a:p>
             <a:fld id="{6E29202C-A5B6-4562-B338-5BE8F533F3AC}" type="datetimeFigureOut">
               <a:rPr lang="pt-BR" smtClean="0"/>
-              <a:t>30/10/2020</a:t>
+              <a:t>14/11/2020</a:t>
             </a:fld>
             <a:endParaRPr lang="pt-BR"/>
           </a:p>
@@ -16209,8 +16441,8 @@
           </a:p>
         </p:txBody>
       </p:sp>
-      <mc:AlternateContent xmlns:mc="http://schemas.openxmlformats.org/markup-compatibility/2006" xmlns:a14="http://schemas.microsoft.com/office/drawing/2010/main">
-        <mc:Choice Requires="a14">
+      <mc:AlternateContent xmlns:mc="http://schemas.openxmlformats.org/markup-compatibility/2006">
+        <mc:Choice xmlns:a14="http://schemas.microsoft.com/office/drawing/2010/main" Requires="a14">
           <p:graphicFrame>
             <p:nvGraphicFramePr>
               <p:cNvPr id="20" name="Content Placeholder 19"/>
@@ -16221,7 +16453,7 @@
                 <p:ph sz="half" idx="2"/>
                 <p:extLst>
                   <p:ext uri="{D42A27DB-BD31-4B8C-83A1-F6EECF244321}">
-                    <p14:modId xmlns:p14="http://schemas.microsoft.com/office/powerpoint/2010/main" val="2398833544"/>
+                    <p14:modId xmlns:p14="http://schemas.microsoft.com/office/powerpoint/2010/main" val="4045861599"/>
                   </p:ext>
                 </p:extLst>
               </p:nvPr>
@@ -16487,7 +16719,7 @@
                               <a:effectLst/>
                               <a:latin typeface="Times New Roman" panose="02020603050405020304" pitchFamily="18" charset="0"/>
                             </a:rPr>
-                            <a:t>8</a:t>
+                            <a:t>4</a:t>
                           </a:r>
                           <a:endParaRPr lang="pt-BR" dirty="0">
                             <a:effectLst/>
@@ -16628,14 +16860,14 @@
                             </a:spcAft>
                           </a:pPr>
                           <a:r>
-                            <a:rPr lang="pt-BR" sz="1200" b="0" i="0" u="none" strike="noStrike" dirty="0">
+                            <a:rPr lang="pt-BR" sz="1200" b="0" i="0" u="none" strike="noStrike" dirty="0" smtClean="0">
                               <a:solidFill>
                                 <a:srgbClr val="000000"/>
                               </a:solidFill>
                               <a:effectLst/>
                               <a:latin typeface="Times New Roman" panose="02020603050405020304" pitchFamily="18" charset="0"/>
                             </a:rPr>
-                            <a:t>0,5</a:t>
+                            <a:t>0,1</a:t>
                           </a:r>
                           <a:endParaRPr lang="pt-BR" dirty="0">
                             <a:effectLst/>
@@ -16769,14 +17001,14 @@
                             </a:spcAft>
                           </a:pPr>
                           <a:r>
-                            <a:rPr lang="pt-BR" sz="1200" b="0" i="0" u="none" strike="noStrike" dirty="0">
+                            <a:rPr lang="pt-BR" sz="1200" b="0" i="0" u="none" strike="noStrike" dirty="0" smtClean="0">
                               <a:solidFill>
                                 <a:srgbClr val="000000"/>
                               </a:solidFill>
                               <a:effectLst/>
                               <a:latin typeface="Times New Roman" panose="02020603050405020304" pitchFamily="18" charset="0"/>
                             </a:rPr>
-                            <a:t>64</a:t>
+                            <a:t>8</a:t>
                           </a:r>
                           <a:endParaRPr lang="pt-BR" dirty="0">
                             <a:effectLst/>
@@ -16833,7 +17065,7 @@
             </a:graphic>
           </p:graphicFrame>
         </mc:Choice>
-        <mc:Fallback xmlns="">
+        <mc:Fallback>
           <p:graphicFrame>
             <p:nvGraphicFramePr>
               <p:cNvPr id="20" name="Content Placeholder 19"/>
@@ -16844,7 +17076,7 @@
                 <p:ph sz="half" idx="2"/>
                 <p:extLst>
                   <p:ext uri="{D42A27DB-BD31-4B8C-83A1-F6EECF244321}">
-                    <p14:modId xmlns:p14="http://schemas.microsoft.com/office/powerpoint/2010/main" val="2398833544"/>
+                    <p14:modId xmlns:p14="http://schemas.microsoft.com/office/powerpoint/2010/main" val="4045861599"/>
                   </p:ext>
                 </p:extLst>
               </p:nvPr>
@@ -17089,7 +17321,7 @@
                               <a:effectLst/>
                               <a:latin typeface="Times New Roman" panose="02020603050405020304" pitchFamily="18" charset="0"/>
                             </a:rPr>
-                            <a:t>8</a:t>
+                            <a:t>4</a:t>
                           </a:r>
                           <a:endParaRPr lang="pt-BR" dirty="0">
                             <a:effectLst/>
@@ -17209,14 +17441,14 @@
                             </a:spcAft>
                           </a:pPr>
                           <a:r>
-                            <a:rPr lang="pt-BR" sz="1200" b="0" i="0" u="none" strike="noStrike" dirty="0">
+                            <a:rPr lang="pt-BR" sz="1200" b="0" i="0" u="none" strike="noStrike" dirty="0" smtClean="0">
                               <a:solidFill>
                                 <a:srgbClr val="000000"/>
                               </a:solidFill>
                               <a:effectLst/>
                               <a:latin typeface="Times New Roman" panose="02020603050405020304" pitchFamily="18" charset="0"/>
                             </a:rPr>
-                            <a:t>0,5</a:t>
+                            <a:t>0,1</a:t>
                           </a:r>
                           <a:endParaRPr lang="pt-BR" dirty="0">
                             <a:effectLst/>
@@ -17350,14 +17582,14 @@
                             </a:spcAft>
                           </a:pPr>
                           <a:r>
-                            <a:rPr lang="pt-BR" sz="1200" b="0" i="0" u="none" strike="noStrike" dirty="0">
+                            <a:rPr lang="pt-BR" sz="1200" b="0" i="0" u="none" strike="noStrike" dirty="0" smtClean="0">
                               <a:solidFill>
                                 <a:srgbClr val="000000"/>
                               </a:solidFill>
                               <a:effectLst/>
                               <a:latin typeface="Times New Roman" panose="02020603050405020304" pitchFamily="18" charset="0"/>
                             </a:rPr>
-                            <a:t>64</a:t>
+                            <a:t>8</a:t>
                           </a:r>
                           <a:endParaRPr lang="pt-BR" dirty="0">
                             <a:effectLst/>
@@ -17533,7 +17765,7 @@
         </p:spPr>
         <p:txBody>
           <a:bodyPr>
-            <a:normAutofit lnSpcReduction="10000"/>
+            <a:normAutofit fontScale="92500"/>
           </a:bodyPr>
           <a:lstStyle/>
           <a:p>
@@ -17563,7 +17795,15 @@
             </a:r>
             <a:r>
               <a:rPr lang="pt-BR" sz="1800" dirty="0" smtClean="0"/>
-              <a:t>: 400</a:t>
+              <a:t>: </a:t>
+            </a:r>
+            <a:r>
+              <a:rPr lang="pt-BR" sz="1800" dirty="0" smtClean="0"/>
+              <a:t>10</a:t>
+            </a:r>
+            <a:r>
+              <a:rPr lang="pt-BR" sz="1800" dirty="0" smtClean="0"/>
+              <a:t>00</a:t>
             </a:r>
             <a:endParaRPr lang="pt-BR" sz="1800" dirty="0"/>
           </a:p>
@@ -17653,7 +17893,7 @@
           <p:nvPr>
             <p:extLst>
               <p:ext uri="{D42A27DB-BD31-4B8C-83A1-F6EECF244321}">
-                <p14:modId xmlns:p14="http://schemas.microsoft.com/office/powerpoint/2010/main" val="4158036044"/>
+                <p14:modId xmlns:p14="http://schemas.microsoft.com/office/powerpoint/2010/main" val="4104637799"/>
               </p:ext>
             </p:extLst>
           </p:nvPr>
@@ -18056,14 +18296,14 @@
                         </a:spcAft>
                       </a:pPr>
                       <a:r>
-                        <a:rPr lang="pt-BR" sz="1200" b="0" i="0" u="none" strike="noStrike" dirty="0">
+                        <a:rPr lang="pt-BR" sz="1200" b="0" i="0" u="none" strike="noStrike" dirty="0" smtClean="0">
                           <a:solidFill>
                             <a:srgbClr val="000000"/>
                           </a:solidFill>
                           <a:effectLst/>
                           <a:latin typeface="Times New Roman" panose="02020603050405020304" pitchFamily="18" charset="0"/>
                         </a:rPr>
-                        <a:t>32</a:t>
+                        <a:t>16</a:t>
                       </a:r>
                       <a:endParaRPr lang="pt-BR" dirty="0">
                         <a:effectLst/>
@@ -18197,14 +18437,14 @@
                         </a:spcAft>
                       </a:pPr>
                       <a:r>
-                        <a:rPr lang="pt-BR" sz="1200" b="0" i="0" u="none" strike="noStrike" dirty="0">
+                        <a:rPr lang="pt-BR" sz="1200" b="0" i="0" u="none" strike="noStrike" dirty="0" smtClean="0">
                           <a:solidFill>
                             <a:srgbClr val="000000"/>
                           </a:solidFill>
                           <a:effectLst/>
                           <a:latin typeface="Times New Roman" panose="02020603050405020304" pitchFamily="18" charset="0"/>
                         </a:rPr>
-                        <a:t>21</a:t>
+                        <a:t>101</a:t>
                       </a:r>
                       <a:endParaRPr lang="pt-BR" dirty="0">
                         <a:effectLst/>
@@ -18338,14 +18578,14 @@
                         </a:spcAft>
                       </a:pPr>
                       <a:r>
-                        <a:rPr lang="pt-BR" sz="1200" b="0" i="0" u="none" strike="noStrike" dirty="0">
+                        <a:rPr lang="pt-BR" sz="1200" b="0" i="0" u="none" strike="noStrike" dirty="0" smtClean="0">
                           <a:solidFill>
                             <a:srgbClr val="000000"/>
                           </a:solidFill>
                           <a:effectLst/>
                           <a:latin typeface="Times New Roman" panose="02020603050405020304" pitchFamily="18" charset="0"/>
                         </a:rPr>
-                        <a:t>1</a:t>
+                        <a:t>1,0</a:t>
                       </a:r>
                       <a:endParaRPr lang="pt-BR" dirty="0">
                         <a:effectLst/>
@@ -18479,16 +18719,16 @@
                         </a:spcAft>
                       </a:pPr>
                       <a:r>
-                        <a:rPr lang="pt-BR" sz="1200" b="0" i="0" u="none" strike="noStrike">
+                        <a:rPr lang="pt-BR" sz="1200" b="0" i="0" u="none" strike="noStrike" dirty="0" smtClean="0">
                           <a:solidFill>
                             <a:srgbClr val="000000"/>
                           </a:solidFill>
                           <a:effectLst/>
                           <a:latin typeface="Times New Roman" panose="02020603050405020304" pitchFamily="18" charset="0"/>
                         </a:rPr>
-                        <a:t>8,5</a:t>
+                        <a:t>0,001</a:t>
                       </a:r>
-                      <a:endParaRPr lang="pt-BR">
+                      <a:endParaRPr lang="pt-BR" dirty="0">
                         <a:effectLst/>
                       </a:endParaRPr>
                     </a:p>
@@ -18620,16 +18860,16 @@
                         </a:spcAft>
                       </a:pPr>
                       <a:r>
-                        <a:rPr lang="pt-BR" sz="1200" b="0" i="0" u="none" strike="noStrike">
+                        <a:rPr lang="pt-BR" sz="1200" b="0" i="0" u="none" strike="noStrike" dirty="0" smtClean="0">
                           <a:solidFill>
                             <a:srgbClr val="000000"/>
                           </a:solidFill>
                           <a:effectLst/>
                           <a:latin typeface="Times New Roman" panose="02020603050405020304" pitchFamily="18" charset="0"/>
                         </a:rPr>
-                        <a:t>10</a:t>
+                        <a:t>8</a:t>
                       </a:r>
-                      <a:endParaRPr lang="pt-BR">
+                      <a:endParaRPr lang="pt-BR" dirty="0">
                         <a:effectLst/>
                       </a:endParaRPr>
                     </a:p>
@@ -18761,16 +19001,16 @@
                         </a:spcAft>
                       </a:pPr>
                       <a:r>
-                        <a:rPr lang="pt-BR" sz="1200" b="0" i="0" u="none" strike="noStrike">
+                        <a:rPr lang="pt-BR" sz="1200" b="0" i="0" u="none" strike="noStrike" dirty="0" smtClean="0">
                           <a:solidFill>
                             <a:srgbClr val="000000"/>
                           </a:solidFill>
                           <a:effectLst/>
                           <a:latin typeface="Times New Roman" panose="02020603050405020304" pitchFamily="18" charset="0"/>
                         </a:rPr>
-                        <a:t>10</a:t>
+                        <a:t>0,4</a:t>
                       </a:r>
-                      <a:endParaRPr lang="pt-BR">
+                      <a:endParaRPr lang="pt-BR" dirty="0">
                         <a:effectLst/>
                       </a:endParaRPr>
                     </a:p>
@@ -18902,16 +19142,16 @@
                         </a:spcAft>
                       </a:pPr>
                       <a:r>
-                        <a:rPr lang="pt-BR" sz="1200" b="0" i="0" u="none" strike="noStrike">
+                        <a:rPr lang="pt-BR" sz="1200" b="0" i="0" u="none" strike="noStrike" dirty="0" smtClean="0">
                           <a:solidFill>
                             <a:srgbClr val="000000"/>
                           </a:solidFill>
                           <a:effectLst/>
                           <a:latin typeface="Times New Roman" panose="02020603050405020304" pitchFamily="18" charset="0"/>
                         </a:rPr>
-                        <a:t>41</a:t>
+                        <a:t>80</a:t>
                       </a:r>
-                      <a:endParaRPr lang="pt-BR">
+                      <a:endParaRPr lang="pt-BR" dirty="0">
                         <a:effectLst/>
                       </a:endParaRPr>
                     </a:p>
@@ -19247,8 +19487,8 @@
           </a:graphicData>
         </a:graphic>
       </p:graphicFrame>
-      <mc:AlternateContent xmlns:mc="http://schemas.openxmlformats.org/markup-compatibility/2006" xmlns:a14="http://schemas.microsoft.com/office/drawing/2010/main">
-        <mc:Choice Requires="a14">
+      <mc:AlternateContent xmlns:mc="http://schemas.openxmlformats.org/markup-compatibility/2006">
+        <mc:Choice xmlns:a14="http://schemas.microsoft.com/office/drawing/2010/main" Requires="a14">
           <p:sp>
             <p:nvSpPr>
               <p:cNvPr id="16" name="Content Placeholder 21"/>
@@ -19512,6 +19752,12 @@
                         </m:r>
                       </m:sup>
                     </m:sSup>
+                    <m:r>
+                      <a:rPr lang="pt-BR" sz="1800" b="0" i="1" smtClean="0">
+                        <a:latin typeface="Cambria Math" panose="02040503050406030204" pitchFamily="18" charset="0"/>
+                      </a:rPr>
+                      <m:t> </m:t>
+                    </m:r>
                   </m:oMath>
                 </a14:m>
                 <a:r>
@@ -19567,17 +19813,29 @@
                         <a:latin typeface="Cambria Math" panose="02040503050406030204" pitchFamily="18" charset="0"/>
                         <a:ea typeface="Cambria Math" panose="02040503050406030204" pitchFamily="18" charset="0"/>
                       </a:rPr>
-                      <m:t>: </m:t>
+                      <m:t>:</m:t>
                     </m:r>
                   </m:oMath>
                 </a14:m>
                 <a:r>
                   <a:rPr lang="pt-BR" sz="1800" dirty="0" smtClean="0"/>
-                  <a:t>7 valores (0,01</a:t>
+                  <a:t> 4 </a:t>
+                </a:r>
+                <a:r>
+                  <a:rPr lang="pt-BR" sz="1800" dirty="0" smtClean="0"/>
+                  <a:t>valores (0,01</a:t>
                 </a:r>
                 <a:r>
                   <a:rPr lang="pt-BR" sz="1800" dirty="0"/>
-                  <a:t>; 0,05; 0,1; 0,5; 1; 2; 4) </a:t>
+                  <a:t>; 0,05; 0,1; </a:t>
+                </a:r>
+                <a:r>
+                  <a:rPr lang="pt-BR" sz="1800" dirty="0" smtClean="0"/>
+                  <a:t>0,5)</a:t>
+                </a:r>
+                <a:r>
+                  <a:rPr lang="pt-BR" sz="1800" dirty="0"/>
+                  <a:t> </a:t>
                 </a:r>
               </a:p>
               <a:p>
@@ -19668,7 +19926,7 @@
             </p:txBody>
           </p:sp>
         </mc:Choice>
-        <mc:Fallback xmlns="">
+        <mc:Fallback>
           <p:sp>
             <p:nvSpPr>
               <p:cNvPr id="16" name="Content Placeholder 21"/>
@@ -21787,7 +22045,19 @@
             </a:r>
             <a:r>
               <a:rPr lang="pt-BR" dirty="0" smtClean="0"/>
-              <a:t> Ápice do consumo de memória.</a:t>
+              <a:t> </a:t>
+            </a:r>
+            <a:r>
+              <a:rPr lang="pt-BR" dirty="0" smtClean="0"/>
+              <a:t>Pico</a:t>
+            </a:r>
+            <a:r>
+              <a:rPr lang="pt-BR" dirty="0" smtClean="0"/>
+              <a:t> </a:t>
+            </a:r>
+            <a:r>
+              <a:rPr lang="pt-BR" dirty="0" smtClean="0"/>
+              <a:t>do consumo de memória.</a:t>
             </a:r>
           </a:p>
           <a:p>
@@ -21919,7 +22189,7 @@
           <p:nvPr/>
         </p:nvPicPr>
         <p:blipFill>
-          <a:blip r:embed="rId2" cstate="print">
+          <a:blip r:embed="rId3" cstate="print">
             <a:extLst>
               <a:ext uri="{28A0092B-C50C-407E-A947-70E740481C1C}">
                 <a14:useLocalDpi xmlns:a14="http://schemas.microsoft.com/office/drawing/2010/main" val="0"/>
@@ -22133,7 +22403,7 @@
               <p:nvPr>
                 <p:extLst>
                   <p:ext uri="{D42A27DB-BD31-4B8C-83A1-F6EECF244321}">
-                    <p14:modId xmlns:p14="http://schemas.microsoft.com/office/powerpoint/2010/main" val="2433696900"/>
+                    <p14:modId xmlns:p14="http://schemas.microsoft.com/office/powerpoint/2010/main" val="4101008411"/>
                   </p:ext>
                 </p:extLst>
               </p:nvPr>
@@ -22205,7 +22475,7 @@
                             </a:spcAft>
                           </a:pPr>
                           <a:r>
-                            <a:rPr lang="pt-BR" sz="1600" b="1" i="0" u="none" strike="noStrike">
+                            <a:rPr lang="pt-BR" sz="1600" b="1" i="0" u="none" strike="noStrike" dirty="0">
                               <a:solidFill>
                                 <a:srgbClr val="000000"/>
                               </a:solidFill>
@@ -22214,7 +22484,7 @@
                             </a:rPr>
                             <a:t>Ambiente</a:t>
                           </a:r>
-                          <a:endParaRPr lang="pt-BR" sz="1600">
+                          <a:endParaRPr lang="pt-BR" sz="1600" dirty="0">
                             <a:effectLst/>
                           </a:endParaRPr>
                         </a:p>
@@ -22765,7 +23035,7 @@
                             </a:spcAft>
                           </a:pPr>
                           <a:r>
-                            <a:rPr lang="pt-BR" sz="1600" b="0" i="1" u="none" strike="noStrike">
+                            <a:rPr lang="pt-BR" sz="1600" b="0" i="1" u="none" strike="noStrike" dirty="0">
                               <a:solidFill>
                                 <a:srgbClr val="000000"/>
                               </a:solidFill>
@@ -22774,7 +23044,7 @@
                             </a:rPr>
                             <a:t>Indoor-Outdoor</a:t>
                           </a:r>
-                          <a:endParaRPr lang="pt-BR" sz="1600">
+                          <a:endParaRPr lang="pt-BR" sz="1600" dirty="0">
                             <a:effectLst/>
                           </a:endParaRPr>
                         </a:p>
@@ -22909,16 +23179,12 @@
                             </a:spcAft>
                           </a:pPr>
                           <a:r>
-                            <a:rPr lang="pt-BR" sz="1600" b="1" i="0" u="none" strike="noStrike">
-                              <a:solidFill>
-                                <a:srgbClr val="000000"/>
-                              </a:solidFill>
+                            <a:rPr lang="pt-BR" sz="1600" b="1" dirty="0" smtClean="0">
                               <a:effectLst/>
-                              <a:latin typeface="Times New Roman" panose="02020603050405020304" pitchFamily="18" charset="0"/>
                             </a:rPr>
-                            <a:t>49,08 m</a:t>
+                            <a:t>56,54 m</a:t>
                           </a:r>
-                          <a:endParaRPr lang="pt-BR" sz="1600">
+                          <a:endParaRPr lang="pt-BR" sz="1600" b="1" dirty="0">
                             <a:effectLst/>
                           </a:endParaRPr>
                         </a:p>
@@ -22976,16 +23242,12 @@
                             </a:spcAft>
                           </a:pPr>
                           <a:r>
-                            <a:rPr lang="pt-BR" sz="1600" b="1" i="0" u="none" strike="noStrike">
-                              <a:solidFill>
-                                <a:srgbClr val="000000"/>
-                              </a:solidFill>
+                            <a:rPr lang="pt-BR" sz="1600" b="1" dirty="0" smtClean="0">
                               <a:effectLst/>
-                              <a:latin typeface="Times New Roman" panose="02020603050405020304" pitchFamily="18" charset="0"/>
                             </a:rPr>
-                            <a:t>31,32 m</a:t>
+                            <a:t>35,42 m</a:t>
                           </a:r>
-                          <a:endParaRPr lang="pt-BR" sz="1600">
+                          <a:endParaRPr lang="pt-BR" sz="1600" b="1" dirty="0">
                             <a:effectLst/>
                           </a:endParaRPr>
                         </a:p>
@@ -23043,16 +23305,12 @@
                             </a:spcAft>
                           </a:pPr>
                           <a:r>
-                            <a:rPr lang="pt-BR" sz="1600" b="1" i="0" u="none" strike="noStrike">
-                              <a:solidFill>
-                                <a:srgbClr val="000000"/>
-                              </a:solidFill>
+                            <a:rPr lang="pt-BR" sz="1600" b="1" dirty="0" smtClean="0">
                               <a:effectLst/>
-                              <a:latin typeface="Times New Roman" panose="02020603050405020304" pitchFamily="18" charset="0"/>
                             </a:rPr>
-                            <a:t>1,17 m</a:t>
+                            <a:t>0,65 m</a:t>
                           </a:r>
-                          <a:endParaRPr lang="pt-BR" sz="1600">
+                          <a:endParaRPr lang="pt-BR" sz="1600" b="1" dirty="0">
                             <a:effectLst/>
                           </a:endParaRPr>
                         </a:p>
@@ -23110,16 +23368,12 @@
                             </a:spcAft>
                           </a:pPr>
                           <a:r>
-                            <a:rPr lang="pt-BR" sz="1600" b="0" i="0" u="none" strike="noStrike">
-                              <a:solidFill>
-                                <a:srgbClr val="000000"/>
-                              </a:solidFill>
+                            <a:rPr lang="pt-BR" sz="1600" dirty="0" smtClean="0">
                               <a:effectLst/>
-                              <a:latin typeface="Times New Roman" panose="02020603050405020304" pitchFamily="18" charset="0"/>
                             </a:rPr>
-                            <a:t>193,10 m</a:t>
+                            <a:t>256,59 m</a:t>
                           </a:r>
-                          <a:endParaRPr lang="pt-BR" sz="1600">
+                          <a:endParaRPr lang="pt-BR" sz="1600" dirty="0">
                             <a:effectLst/>
                           </a:endParaRPr>
                         </a:p>
@@ -23261,16 +23515,12 @@
                             </a:spcAft>
                           </a:pPr>
                           <a:r>
-                            <a:rPr lang="pt-BR" sz="1600" b="0" i="0" u="none" strike="noStrike">
-                              <a:solidFill>
-                                <a:srgbClr val="000000"/>
-                              </a:solidFill>
+                            <a:rPr lang="pt-BR" sz="1600" dirty="0" smtClean="0">
                               <a:effectLst/>
-                              <a:latin typeface="Times New Roman" panose="02020603050405020304" pitchFamily="18" charset="0"/>
                             </a:rPr>
-                            <a:t>70,52 m</a:t>
+                            <a:t>63,40 m</a:t>
                           </a:r>
-                          <a:endParaRPr lang="pt-BR" sz="1600">
+                          <a:endParaRPr lang="pt-BR" sz="1600" dirty="0">
                             <a:effectLst/>
                           </a:endParaRPr>
                         </a:p>
@@ -23328,16 +23578,12 @@
                             </a:spcAft>
                           </a:pPr>
                           <a:r>
-                            <a:rPr lang="pt-BR" sz="1600" b="0" i="0" u="none" strike="noStrike">
-                              <a:solidFill>
-                                <a:srgbClr val="000000"/>
-                              </a:solidFill>
+                            <a:rPr lang="pt-BR" sz="1600" dirty="0" smtClean="0">
                               <a:effectLst/>
-                              <a:latin typeface="Times New Roman" panose="02020603050405020304" pitchFamily="18" charset="0"/>
                             </a:rPr>
-                            <a:t>40,82 m</a:t>
+                            <a:t>39,16 m</a:t>
                           </a:r>
-                          <a:endParaRPr lang="pt-BR" sz="1600">
+                          <a:endParaRPr lang="pt-BR" sz="1600" dirty="0">
                             <a:effectLst/>
                           </a:endParaRPr>
                         </a:p>
@@ -23395,14 +23641,10 @@
                             </a:spcAft>
                           </a:pPr>
                           <a:r>
-                            <a:rPr lang="pt-BR" sz="1600" b="0" i="0" u="none" strike="noStrike" dirty="0">
-                              <a:solidFill>
-                                <a:srgbClr val="000000"/>
-                              </a:solidFill>
+                            <a:rPr lang="pt-BR" sz="1600" dirty="0" smtClean="0">
                               <a:effectLst/>
-                              <a:latin typeface="Times New Roman" panose="02020603050405020304" pitchFamily="18" charset="0"/>
                             </a:rPr>
-                            <a:t>1,51 m</a:t>
+                            <a:t>1,19 m</a:t>
                           </a:r>
                           <a:endParaRPr lang="pt-BR" sz="1600" dirty="0">
                             <a:effectLst/>
@@ -23462,16 +23704,12 @@
                             </a:spcAft>
                           </a:pPr>
                           <a:r>
-                            <a:rPr lang="pt-BR" sz="1600" b="1" i="0" u="none" strike="noStrike">
-                              <a:solidFill>
-                                <a:srgbClr val="000000"/>
-                              </a:solidFill>
+                            <a:rPr lang="pt-BR" sz="1600" b="1" dirty="0" smtClean="0">
                               <a:effectLst/>
-                              <a:latin typeface="Times New Roman" panose="02020603050405020304" pitchFamily="18" charset="0"/>
                             </a:rPr>
-                            <a:t>191,02 m</a:t>
+                            <a:t>207,68 m</a:t>
                           </a:r>
-                          <a:endParaRPr lang="pt-BR" sz="1600">
+                          <a:endParaRPr lang="pt-BR" sz="1600" b="1" dirty="0">
                             <a:effectLst/>
                           </a:endParaRPr>
                         </a:p>
@@ -23536,7 +23774,7 @@
                             </a:spcAft>
                           </a:pPr>
                           <a:r>
-                            <a:rPr lang="pt-BR" sz="1600" b="0" i="1" u="none" strike="noStrike">
+                            <a:rPr lang="pt-BR" sz="1600" b="0" i="1" u="none" strike="noStrike" dirty="0">
                               <a:solidFill>
                                 <a:srgbClr val="000000"/>
                               </a:solidFill>
@@ -23545,7 +23783,7 @@
                             </a:rPr>
                             <a:t>Outdoor</a:t>
                           </a:r>
-                          <a:endParaRPr lang="pt-BR" sz="1600">
+                          <a:endParaRPr lang="pt-BR" sz="1600" dirty="0">
                             <a:effectLst/>
                           </a:endParaRPr>
                         </a:p>
@@ -23680,16 +23918,12 @@
                             </a:spcAft>
                           </a:pPr>
                           <a:r>
-                            <a:rPr lang="pt-BR" sz="1600" b="1" i="0" u="none" strike="noStrike">
-                              <a:solidFill>
-                                <a:srgbClr val="000000"/>
-                              </a:solidFill>
+                            <a:rPr lang="pt-BR" sz="1600" b="1" dirty="0" smtClean="0">
                               <a:effectLst/>
-                              <a:latin typeface="Times New Roman" panose="02020603050405020304" pitchFamily="18" charset="0"/>
                             </a:rPr>
-                            <a:t>43,91 m</a:t>
+                            <a:t>38,71 m</a:t>
                           </a:r>
-                          <a:endParaRPr lang="pt-BR" sz="1600">
+                          <a:endParaRPr lang="pt-BR" sz="1600" b="1" dirty="0">
                             <a:effectLst/>
                           </a:endParaRPr>
                         </a:p>
@@ -23747,16 +23981,18 @@
                             </a:spcAft>
                           </a:pPr>
                           <a:r>
-                            <a:rPr lang="pt-BR" sz="1600" b="1" i="0" u="none" strike="noStrike">
-                              <a:solidFill>
-                                <a:srgbClr val="000000"/>
-                              </a:solidFill>
+                            <a:rPr lang="pt-BR" sz="1600" b="1" dirty="0" smtClean="0">
                               <a:effectLst/>
-                              <a:latin typeface="Times New Roman" panose="02020603050405020304" pitchFamily="18" charset="0"/>
                             </a:rPr>
-                            <a:t>39,74 m</a:t>
+                            <a:t>35,82</a:t>
                           </a:r>
-                          <a:endParaRPr lang="pt-BR" sz="1600">
+                          <a:r>
+                            <a:rPr lang="pt-BR" sz="1600" b="1" baseline="0" dirty="0" smtClean="0">
+                              <a:effectLst/>
+                            </a:rPr>
+                            <a:t> m</a:t>
+                          </a:r>
+                          <a:endParaRPr lang="pt-BR" sz="1600" b="1" dirty="0">
                             <a:effectLst/>
                           </a:endParaRPr>
                         </a:p>
@@ -23814,16 +24050,12 @@
                             </a:spcAft>
                           </a:pPr>
                           <a:r>
-                            <a:rPr lang="pt-BR" sz="1600" b="0" i="0" u="none" strike="noStrike">
-                              <a:solidFill>
-                                <a:srgbClr val="000000"/>
-                              </a:solidFill>
+                            <a:rPr lang="pt-BR" sz="1600" b="1" dirty="0" smtClean="0">
                               <a:effectLst/>
-                              <a:latin typeface="Times New Roman" panose="02020603050405020304" pitchFamily="18" charset="0"/>
                             </a:rPr>
-                            <a:t>0,90 m</a:t>
+                            <a:t>0,44 m</a:t>
                           </a:r>
-                          <a:endParaRPr lang="pt-BR" sz="1600">
+                          <a:endParaRPr lang="pt-BR" sz="1600" b="1" dirty="0">
                             <a:effectLst/>
                           </a:endParaRPr>
                         </a:p>
@@ -23881,16 +24113,12 @@
                             </a:spcAft>
                           </a:pPr>
                           <a:r>
-                            <a:rPr lang="pt-BR" sz="1600" b="1" i="0" u="none" strike="noStrike">
-                              <a:solidFill>
-                                <a:srgbClr val="000000"/>
-                              </a:solidFill>
+                            <a:rPr lang="pt-BR" sz="1600" b="1" dirty="0" smtClean="0">
                               <a:effectLst/>
-                              <a:latin typeface="Times New Roman" panose="02020603050405020304" pitchFamily="18" charset="0"/>
                             </a:rPr>
-                            <a:t>217,92 m</a:t>
+                            <a:t>233,14 m</a:t>
                           </a:r>
-                          <a:endParaRPr lang="pt-BR" sz="1600">
+                          <a:endParaRPr lang="pt-BR" sz="1600" b="1" dirty="0">
                             <a:effectLst/>
                           </a:endParaRPr>
                         </a:p>
@@ -24032,16 +24260,12 @@
                             </a:spcAft>
                           </a:pPr>
                           <a:r>
-                            <a:rPr lang="pt-BR" sz="1600" b="0" i="0" u="none" strike="noStrike">
-                              <a:solidFill>
-                                <a:srgbClr val="000000"/>
-                              </a:solidFill>
+                            <a:rPr lang="pt-BR" sz="1600" dirty="0" smtClean="0">
                               <a:effectLst/>
-                              <a:latin typeface="Times New Roman" panose="02020603050405020304" pitchFamily="18" charset="0"/>
                             </a:rPr>
-                            <a:t>48,76 m</a:t>
+                            <a:t>43,74 m</a:t>
                           </a:r>
-                          <a:endParaRPr lang="pt-BR" sz="1600">
+                          <a:endParaRPr lang="pt-BR" sz="1600" dirty="0">
                             <a:effectLst/>
                           </a:endParaRPr>
                         </a:p>
@@ -24099,16 +24323,12 @@
                             </a:spcAft>
                           </a:pPr>
                           <a:r>
-                            <a:rPr lang="pt-BR" sz="1600" b="0" i="0" u="none" strike="noStrike">
-                              <a:solidFill>
-                                <a:srgbClr val="000000"/>
-                              </a:solidFill>
+                            <a:rPr lang="pt-BR" sz="1600" dirty="0" smtClean="0">
                               <a:effectLst/>
-                              <a:latin typeface="Times New Roman" panose="02020603050405020304" pitchFamily="18" charset="0"/>
                             </a:rPr>
-                            <a:t>43,44 m</a:t>
+                            <a:t>39,28 m</a:t>
                           </a:r>
-                          <a:endParaRPr lang="pt-BR" sz="1600">
+                          <a:endParaRPr lang="pt-BR" sz="1600" dirty="0">
                             <a:effectLst/>
                           </a:endParaRPr>
                         </a:p>
@@ -24166,16 +24386,12 @@
                             </a:spcAft>
                           </a:pPr>
                           <a:r>
-                            <a:rPr lang="pt-BR" sz="1600" b="1" i="0" u="none" strike="noStrike" dirty="0">
-                              <a:solidFill>
-                                <a:srgbClr val="000000"/>
-                              </a:solidFill>
+                            <a:rPr lang="pt-BR" sz="1600" b="1" dirty="0" smtClean="0">
                               <a:effectLst/>
-                              <a:latin typeface="Times New Roman" panose="02020603050405020304" pitchFamily="18" charset="0"/>
                             </a:rPr>
-                            <a:t>0,66 m</a:t>
+                            <a:t>0,44 m</a:t>
                           </a:r>
-                          <a:endParaRPr lang="pt-BR" sz="1600" dirty="0">
+                          <a:endParaRPr lang="pt-BR" sz="1600" b="1" dirty="0">
                             <a:effectLst/>
                           </a:endParaRPr>
                         </a:p>
@@ -24233,16 +24449,12 @@
                             </a:spcAft>
                           </a:pPr>
                           <a:r>
-                            <a:rPr lang="pt-BR" sz="1600" b="0" i="0" u="none" strike="noStrike">
-                              <a:solidFill>
-                                <a:srgbClr val="000000"/>
-                              </a:solidFill>
+                            <a:rPr lang="pt-BR" sz="1600" dirty="0" smtClean="0">
                               <a:effectLst/>
-                              <a:latin typeface="Times New Roman" panose="02020603050405020304" pitchFamily="18" charset="0"/>
                             </a:rPr>
-                            <a:t>257,88 m</a:t>
+                            <a:t>245,89 m</a:t>
                           </a:r>
-                          <a:endParaRPr lang="pt-BR" sz="1600">
+                          <a:endParaRPr lang="pt-BR" sz="1600" dirty="0">
                             <a:effectLst/>
                           </a:endParaRPr>
                         </a:p>
@@ -24451,16 +24663,12 @@
                             </a:spcAft>
                           </a:pPr>
                           <a:r>
-                            <a:rPr lang="pt-BR" sz="1600" b="1" i="0" u="none" strike="noStrike">
-                              <a:solidFill>
-                                <a:srgbClr val="000000"/>
-                              </a:solidFill>
+                            <a:rPr lang="pt-BR" sz="1600" b="1" dirty="0" smtClean="0">
                               <a:effectLst/>
-                              <a:latin typeface="Times New Roman" panose="02020603050405020304" pitchFamily="18" charset="0"/>
                             </a:rPr>
-                            <a:t>60,65 m</a:t>
+                            <a:t>76,59 m</a:t>
                           </a:r>
-                          <a:endParaRPr lang="pt-BR" sz="1600">
+                          <a:endParaRPr lang="pt-BR" sz="1600" b="1" dirty="0">
                             <a:effectLst/>
                           </a:endParaRPr>
                         </a:p>
@@ -24518,16 +24726,12 @@
                             </a:spcAft>
                           </a:pPr>
                           <a:r>
-                            <a:rPr lang="pt-BR" sz="1600" b="0" i="0" u="none" strike="noStrike">
-                              <a:solidFill>
-                                <a:srgbClr val="000000"/>
-                              </a:solidFill>
+                            <a:rPr lang="pt-BR" sz="1600" b="1" dirty="0" smtClean="0">
                               <a:effectLst/>
-                              <a:latin typeface="Times New Roman" panose="02020603050405020304" pitchFamily="18" charset="0"/>
                             </a:rPr>
-                            <a:t>24,64 m</a:t>
+                            <a:t>25,18 m</a:t>
                           </a:r>
-                          <a:endParaRPr lang="pt-BR" sz="1600">
+                          <a:endParaRPr lang="pt-BR" sz="1600" b="1" dirty="0">
                             <a:effectLst/>
                           </a:endParaRPr>
                         </a:p>
@@ -24585,16 +24789,12 @@
                             </a:spcAft>
                           </a:pPr>
                           <a:r>
-                            <a:rPr lang="pt-BR" sz="1600" b="1" i="0" u="none" strike="noStrike">
-                              <a:solidFill>
-                                <a:srgbClr val="000000"/>
-                              </a:solidFill>
+                            <a:rPr lang="pt-BR" sz="1600" dirty="0" smtClean="0">
                               <a:effectLst/>
-                              <a:latin typeface="Times New Roman" panose="02020603050405020304" pitchFamily="18" charset="0"/>
                             </a:rPr>
                             <a:t>21,40 m</a:t>
                           </a:r>
-                          <a:endParaRPr lang="pt-BR" sz="1600">
+                          <a:endParaRPr lang="pt-BR" sz="1600" dirty="0">
                             <a:effectLst/>
                           </a:endParaRPr>
                         </a:p>
@@ -24652,16 +24852,12 @@
                             </a:spcAft>
                           </a:pPr>
                           <a:r>
-                            <a:rPr lang="pt-BR" sz="1600" b="1" i="0" u="none" strike="noStrike">
-                              <a:solidFill>
-                                <a:srgbClr val="000000"/>
-                              </a:solidFill>
+                            <a:rPr lang="pt-BR" sz="1600" b="1" dirty="0" smtClean="0">
                               <a:effectLst/>
-                              <a:latin typeface="Times New Roman" panose="02020603050405020304" pitchFamily="18" charset="0"/>
                             </a:rPr>
-                            <a:t>116,27 m</a:t>
+                            <a:t>176,09 m</a:t>
                           </a:r>
-                          <a:endParaRPr lang="pt-BR" sz="1600">
+                          <a:endParaRPr lang="pt-BR" sz="1600" b="1" dirty="0">
                             <a:effectLst/>
                           </a:endParaRPr>
                         </a:p>
@@ -24803,16 +24999,12 @@
                             </a:spcAft>
                           </a:pPr>
                           <a:r>
-                            <a:rPr lang="pt-BR" sz="1600" b="0" i="0" u="none" strike="noStrike">
-                              <a:solidFill>
-                                <a:srgbClr val="000000"/>
-                              </a:solidFill>
+                            <a:rPr lang="pt-BR" sz="1600" dirty="0" smtClean="0">
                               <a:effectLst/>
-                              <a:latin typeface="Times New Roman" panose="02020603050405020304" pitchFamily="18" charset="0"/>
                             </a:rPr>
-                            <a:t>90,08 m</a:t>
+                            <a:t>80,99 m</a:t>
                           </a:r>
-                          <a:endParaRPr lang="pt-BR" sz="1600">
+                          <a:endParaRPr lang="pt-BR" sz="1600" dirty="0">
                             <a:effectLst/>
                           </a:endParaRPr>
                         </a:p>
@@ -24870,16 +25062,12 @@
                             </a:spcAft>
                           </a:pPr>
                           <a:r>
-                            <a:rPr lang="pt-BR" sz="1600" b="1" i="0" u="none" strike="noStrike">
-                              <a:solidFill>
-                                <a:srgbClr val="000000"/>
-                              </a:solidFill>
+                            <a:rPr lang="pt-BR" sz="1600" dirty="0" smtClean="0">
                               <a:effectLst/>
-                              <a:latin typeface="Times New Roman" panose="02020603050405020304" pitchFamily="18" charset="0"/>
                             </a:rPr>
-                            <a:t>24,59 m</a:t>
+                            <a:t>28,67 m</a:t>
                           </a:r>
-                          <a:endParaRPr lang="pt-BR" sz="1600">
+                          <a:endParaRPr lang="pt-BR" sz="1600" dirty="0">
                             <a:effectLst/>
                           </a:endParaRPr>
                         </a:p>
@@ -24937,16 +25125,18 @@
                             </a:spcAft>
                           </a:pPr>
                           <a:r>
-                            <a:rPr lang="pt-BR" sz="1600" b="0" i="0" u="none" strike="noStrike">
-                              <a:solidFill>
-                                <a:srgbClr val="000000"/>
-                              </a:solidFill>
+                            <a:rPr lang="pt-BR" sz="1600" b="1" dirty="0" smtClean="0">
                               <a:effectLst/>
-                              <a:latin typeface="Times New Roman" panose="02020603050405020304" pitchFamily="18" charset="0"/>
                             </a:rPr>
-                            <a:t>32,13 m</a:t>
+                            <a:t>17,44</a:t>
                           </a:r>
-                          <a:endParaRPr lang="pt-BR" sz="1600">
+                          <a:r>
+                            <a:rPr lang="pt-BR" sz="1600" b="1" baseline="0" dirty="0" smtClean="0">
+                              <a:effectLst/>
+                            </a:rPr>
+                            <a:t> m</a:t>
+                          </a:r>
+                          <a:endParaRPr lang="pt-BR" sz="1600" b="1" dirty="0">
                             <a:effectLst/>
                           </a:endParaRPr>
                         </a:p>
@@ -25004,14 +25194,10 @@
                             </a:spcAft>
                           </a:pPr>
                           <a:r>
-                            <a:rPr lang="pt-BR" sz="1600" b="0" i="0" u="none" strike="noStrike" dirty="0">
-                              <a:solidFill>
-                                <a:srgbClr val="000000"/>
-                              </a:solidFill>
+                            <a:rPr lang="pt-BR" sz="1600" dirty="0" smtClean="0">
                               <a:effectLst/>
-                              <a:latin typeface="Times New Roman" panose="02020603050405020304" pitchFamily="18" charset="0"/>
                             </a:rPr>
-                            <a:t>137,37 m</a:t>
+                            <a:t>198,83 m</a:t>
                           </a:r>
                           <a:endParaRPr lang="pt-BR" sz="1600" dirty="0">
                             <a:effectLst/>
@@ -25078,7 +25264,7 @@
               <p:nvPr>
                 <p:extLst>
                   <p:ext uri="{D42A27DB-BD31-4B8C-83A1-F6EECF244321}">
-                    <p14:modId xmlns:p14="http://schemas.microsoft.com/office/powerpoint/2010/main" val="2433696900"/>
+                    <p14:modId xmlns:p14="http://schemas.microsoft.com/office/powerpoint/2010/main" val="4101008411"/>
                   </p:ext>
                 </p:extLst>
               </p:nvPr>
@@ -25150,7 +25336,7 @@
                             </a:spcAft>
                           </a:pPr>
                           <a:r>
-                            <a:rPr lang="pt-BR" sz="1600" b="1" i="0" u="none" strike="noStrike">
+                            <a:rPr lang="pt-BR" sz="1600" b="1" i="0" u="none" strike="noStrike" dirty="0">
                               <a:solidFill>
                                 <a:srgbClr val="000000"/>
                               </a:solidFill>
@@ -25159,7 +25345,7 @@
                             </a:rPr>
                             <a:t>Ambiente</a:t>
                           </a:r>
-                          <a:endParaRPr lang="pt-BR" sz="1600">
+                          <a:endParaRPr lang="pt-BR" sz="1600" dirty="0">
                             <a:effectLst/>
                           </a:endParaRPr>
                         </a:p>
@@ -25316,7 +25502,7 @@
                           <a:tailEnd type="none" w="med" len="med"/>
                         </a:lnB>
                         <a:blipFill>
-                          <a:blip r:embed="rId3"/>
+                          <a:blip r:embed="rId4"/>
                           <a:stretch>
                             <a:fillRect l="-276842" t="-1053" r="-273158" b="-466316"/>
                           </a:stretch>
@@ -25369,7 +25555,7 @@
                           <a:tailEnd type="none" w="med" len="med"/>
                         </a:lnB>
                         <a:blipFill>
-                          <a:blip r:embed="rId3"/>
+                          <a:blip r:embed="rId4"/>
                           <a:stretch>
                             <a:fillRect l="-409143" t="-1053" r="-196571" b="-466316"/>
                           </a:stretch>
@@ -25422,7 +25608,7 @@
                           <a:tailEnd type="none" w="med" len="med"/>
                         </a:lnB>
                         <a:blipFill>
-                          <a:blip r:embed="rId3"/>
+                          <a:blip r:embed="rId4"/>
                           <a:stretch>
                             <a:fillRect l="-560377" t="-1053" r="-116352" b="-466316"/>
                           </a:stretch>
@@ -25475,7 +25661,7 @@
                           <a:tailEnd type="none" w="med" len="med"/>
                         </a:lnB>
                         <a:blipFill>
-                          <a:blip r:embed="rId3"/>
+                          <a:blip r:embed="rId4"/>
                           <a:stretch>
                             <a:fillRect l="-573770" t="-1053" r="-1093" b="-466316"/>
                           </a:stretch>
@@ -25503,7 +25689,7 @@
                             </a:spcAft>
                           </a:pPr>
                           <a:r>
-                            <a:rPr lang="pt-BR" sz="1600" b="0" i="1" u="none" strike="noStrike">
+                            <a:rPr lang="pt-BR" sz="1600" b="0" i="1" u="none" strike="noStrike" dirty="0">
                               <a:solidFill>
                                 <a:srgbClr val="000000"/>
                               </a:solidFill>
@@ -25512,7 +25698,7 @@
                             </a:rPr>
                             <a:t>Indoor-Outdoor</a:t>
                           </a:r>
-                          <a:endParaRPr lang="pt-BR" sz="1600">
+                          <a:endParaRPr lang="pt-BR" sz="1600" dirty="0">
                             <a:effectLst/>
                           </a:endParaRPr>
                         </a:p>
@@ -25647,16 +25833,12 @@
                             </a:spcAft>
                           </a:pPr>
                           <a:r>
-                            <a:rPr lang="pt-BR" sz="1600" b="1" i="0" u="none" strike="noStrike">
-                              <a:solidFill>
-                                <a:srgbClr val="000000"/>
-                              </a:solidFill>
+                            <a:rPr lang="pt-BR" sz="1600" b="1" dirty="0" smtClean="0">
                               <a:effectLst/>
-                              <a:latin typeface="Times New Roman" panose="02020603050405020304" pitchFamily="18" charset="0"/>
                             </a:rPr>
-                            <a:t>49,08 m</a:t>
+                            <a:t>56,54 m</a:t>
                           </a:r>
-                          <a:endParaRPr lang="pt-BR" sz="1600">
+                          <a:endParaRPr lang="pt-BR" sz="1600" b="1" dirty="0">
                             <a:effectLst/>
                           </a:endParaRPr>
                         </a:p>
@@ -25714,16 +25896,12 @@
                             </a:spcAft>
                           </a:pPr>
                           <a:r>
-                            <a:rPr lang="pt-BR" sz="1600" b="1" i="0" u="none" strike="noStrike">
-                              <a:solidFill>
-                                <a:srgbClr val="000000"/>
-                              </a:solidFill>
+                            <a:rPr lang="pt-BR" sz="1600" b="1" dirty="0" smtClean="0">
                               <a:effectLst/>
-                              <a:latin typeface="Times New Roman" panose="02020603050405020304" pitchFamily="18" charset="0"/>
                             </a:rPr>
-                            <a:t>31,32 m</a:t>
+                            <a:t>35,42 m</a:t>
                           </a:r>
-                          <a:endParaRPr lang="pt-BR" sz="1600">
+                          <a:endParaRPr lang="pt-BR" sz="1600" b="1" dirty="0">
                             <a:effectLst/>
                           </a:endParaRPr>
                         </a:p>
@@ -25781,16 +25959,12 @@
                             </a:spcAft>
                           </a:pPr>
                           <a:r>
-                            <a:rPr lang="pt-BR" sz="1600" b="1" i="0" u="none" strike="noStrike">
-                              <a:solidFill>
-                                <a:srgbClr val="000000"/>
-                              </a:solidFill>
+                            <a:rPr lang="pt-BR" sz="1600" b="1" dirty="0" smtClean="0">
                               <a:effectLst/>
-                              <a:latin typeface="Times New Roman" panose="02020603050405020304" pitchFamily="18" charset="0"/>
                             </a:rPr>
-                            <a:t>1,17 m</a:t>
+                            <a:t>0,65 m</a:t>
                           </a:r>
-                          <a:endParaRPr lang="pt-BR" sz="1600">
+                          <a:endParaRPr lang="pt-BR" sz="1600" b="1" dirty="0">
                             <a:effectLst/>
                           </a:endParaRPr>
                         </a:p>
@@ -25848,16 +26022,12 @@
                             </a:spcAft>
                           </a:pPr>
                           <a:r>
-                            <a:rPr lang="pt-BR" sz="1600" b="0" i="0" u="none" strike="noStrike">
-                              <a:solidFill>
-                                <a:srgbClr val="000000"/>
-                              </a:solidFill>
+                            <a:rPr lang="pt-BR" sz="1600" dirty="0" smtClean="0">
                               <a:effectLst/>
-                              <a:latin typeface="Times New Roman" panose="02020603050405020304" pitchFamily="18" charset="0"/>
                             </a:rPr>
-                            <a:t>193,10 m</a:t>
+                            <a:t>256,59 m</a:t>
                           </a:r>
-                          <a:endParaRPr lang="pt-BR" sz="1600">
+                          <a:endParaRPr lang="pt-BR" sz="1600" dirty="0">
                             <a:effectLst/>
                           </a:endParaRPr>
                         </a:p>
@@ -25999,16 +26169,12 @@
                             </a:spcAft>
                           </a:pPr>
                           <a:r>
-                            <a:rPr lang="pt-BR" sz="1600" b="0" i="0" u="none" strike="noStrike">
-                              <a:solidFill>
-                                <a:srgbClr val="000000"/>
-                              </a:solidFill>
+                            <a:rPr lang="pt-BR" sz="1600" dirty="0" smtClean="0">
                               <a:effectLst/>
-                              <a:latin typeface="Times New Roman" panose="02020603050405020304" pitchFamily="18" charset="0"/>
                             </a:rPr>
-                            <a:t>70,52 m</a:t>
+                            <a:t>63,40 m</a:t>
                           </a:r>
-                          <a:endParaRPr lang="pt-BR" sz="1600">
+                          <a:endParaRPr lang="pt-BR" sz="1600" dirty="0">
                             <a:effectLst/>
                           </a:endParaRPr>
                         </a:p>
@@ -26066,16 +26232,12 @@
                             </a:spcAft>
                           </a:pPr>
                           <a:r>
-                            <a:rPr lang="pt-BR" sz="1600" b="0" i="0" u="none" strike="noStrike">
-                              <a:solidFill>
-                                <a:srgbClr val="000000"/>
-                              </a:solidFill>
+                            <a:rPr lang="pt-BR" sz="1600" dirty="0" smtClean="0">
                               <a:effectLst/>
-                              <a:latin typeface="Times New Roman" panose="02020603050405020304" pitchFamily="18" charset="0"/>
                             </a:rPr>
-                            <a:t>40,82 m</a:t>
+                            <a:t>39,16 m</a:t>
                           </a:r>
-                          <a:endParaRPr lang="pt-BR" sz="1600">
+                          <a:endParaRPr lang="pt-BR" sz="1600" dirty="0">
                             <a:effectLst/>
                           </a:endParaRPr>
                         </a:p>
@@ -26133,14 +26295,10 @@
                             </a:spcAft>
                           </a:pPr>
                           <a:r>
-                            <a:rPr lang="pt-BR" sz="1600" b="0" i="0" u="none" strike="noStrike" dirty="0">
-                              <a:solidFill>
-                                <a:srgbClr val="000000"/>
-                              </a:solidFill>
+                            <a:rPr lang="pt-BR" sz="1600" dirty="0" smtClean="0">
                               <a:effectLst/>
-                              <a:latin typeface="Times New Roman" panose="02020603050405020304" pitchFamily="18" charset="0"/>
                             </a:rPr>
-                            <a:t>1,51 m</a:t>
+                            <a:t>1,19 m</a:t>
                           </a:r>
                           <a:endParaRPr lang="pt-BR" sz="1600" dirty="0">
                             <a:effectLst/>
@@ -26200,16 +26358,12 @@
                             </a:spcAft>
                           </a:pPr>
                           <a:r>
-                            <a:rPr lang="pt-BR" sz="1600" b="1" i="0" u="none" strike="noStrike">
-                              <a:solidFill>
-                                <a:srgbClr val="000000"/>
-                              </a:solidFill>
+                            <a:rPr lang="pt-BR" sz="1600" b="1" dirty="0" smtClean="0">
                               <a:effectLst/>
-                              <a:latin typeface="Times New Roman" panose="02020603050405020304" pitchFamily="18" charset="0"/>
                             </a:rPr>
-                            <a:t>191,02 m</a:t>
+                            <a:t>207,68 m</a:t>
                           </a:r>
-                          <a:endParaRPr lang="pt-BR" sz="1600">
+                          <a:endParaRPr lang="pt-BR" sz="1600" b="1" dirty="0">
                             <a:effectLst/>
                           </a:endParaRPr>
                         </a:p>
@@ -26274,7 +26428,7 @@
                             </a:spcAft>
                           </a:pPr>
                           <a:r>
-                            <a:rPr lang="pt-BR" sz="1600" b="0" i="1" u="none" strike="noStrike">
+                            <a:rPr lang="pt-BR" sz="1600" b="0" i="1" u="none" strike="noStrike" dirty="0">
                               <a:solidFill>
                                 <a:srgbClr val="000000"/>
                               </a:solidFill>
@@ -26283,7 +26437,7 @@
                             </a:rPr>
                             <a:t>Outdoor</a:t>
                           </a:r>
-                          <a:endParaRPr lang="pt-BR" sz="1600">
+                          <a:endParaRPr lang="pt-BR" sz="1600" dirty="0">
                             <a:effectLst/>
                           </a:endParaRPr>
                         </a:p>
@@ -26418,16 +26572,12 @@
                             </a:spcAft>
                           </a:pPr>
                           <a:r>
-                            <a:rPr lang="pt-BR" sz="1600" b="1" i="0" u="none" strike="noStrike">
-                              <a:solidFill>
-                                <a:srgbClr val="000000"/>
-                              </a:solidFill>
+                            <a:rPr lang="pt-BR" sz="1600" b="1" dirty="0" smtClean="0">
                               <a:effectLst/>
-                              <a:latin typeface="Times New Roman" panose="02020603050405020304" pitchFamily="18" charset="0"/>
                             </a:rPr>
-                            <a:t>43,91 m</a:t>
+                            <a:t>38,71 m</a:t>
                           </a:r>
-                          <a:endParaRPr lang="pt-BR" sz="1600">
+                          <a:endParaRPr lang="pt-BR" sz="1600" b="1" dirty="0">
                             <a:effectLst/>
                           </a:endParaRPr>
                         </a:p>
@@ -26485,16 +26635,18 @@
                             </a:spcAft>
                           </a:pPr>
                           <a:r>
-                            <a:rPr lang="pt-BR" sz="1600" b="1" i="0" u="none" strike="noStrike">
-                              <a:solidFill>
-                                <a:srgbClr val="000000"/>
-                              </a:solidFill>
+                            <a:rPr lang="pt-BR" sz="1600" b="1" dirty="0" smtClean="0">
                               <a:effectLst/>
-                              <a:latin typeface="Times New Roman" panose="02020603050405020304" pitchFamily="18" charset="0"/>
                             </a:rPr>
-                            <a:t>39,74 m</a:t>
+                            <a:t>35,82</a:t>
                           </a:r>
-                          <a:endParaRPr lang="pt-BR" sz="1600">
+                          <a:r>
+                            <a:rPr lang="pt-BR" sz="1600" b="1" baseline="0" dirty="0" smtClean="0">
+                              <a:effectLst/>
+                            </a:rPr>
+                            <a:t> m</a:t>
+                          </a:r>
+                          <a:endParaRPr lang="pt-BR" sz="1600" b="1" dirty="0">
                             <a:effectLst/>
                           </a:endParaRPr>
                         </a:p>
@@ -26552,16 +26704,12 @@
                             </a:spcAft>
                           </a:pPr>
                           <a:r>
-                            <a:rPr lang="pt-BR" sz="1600" b="0" i="0" u="none" strike="noStrike">
-                              <a:solidFill>
-                                <a:srgbClr val="000000"/>
-                              </a:solidFill>
+                            <a:rPr lang="pt-BR" sz="1600" b="1" dirty="0" smtClean="0">
                               <a:effectLst/>
-                              <a:latin typeface="Times New Roman" panose="02020603050405020304" pitchFamily="18" charset="0"/>
                             </a:rPr>
-                            <a:t>0,90 m</a:t>
+                            <a:t>0,44 m</a:t>
                           </a:r>
-                          <a:endParaRPr lang="pt-BR" sz="1600">
+                          <a:endParaRPr lang="pt-BR" sz="1600" b="1" dirty="0">
                             <a:effectLst/>
                           </a:endParaRPr>
                         </a:p>
@@ -26619,16 +26767,12 @@
                             </a:spcAft>
                           </a:pPr>
                           <a:r>
-                            <a:rPr lang="pt-BR" sz="1600" b="1" i="0" u="none" strike="noStrike">
-                              <a:solidFill>
-                                <a:srgbClr val="000000"/>
-                              </a:solidFill>
+                            <a:rPr lang="pt-BR" sz="1600" b="1" dirty="0" smtClean="0">
                               <a:effectLst/>
-                              <a:latin typeface="Times New Roman" panose="02020603050405020304" pitchFamily="18" charset="0"/>
                             </a:rPr>
-                            <a:t>217,92 m</a:t>
+                            <a:t>233,14 m</a:t>
                           </a:r>
-                          <a:endParaRPr lang="pt-BR" sz="1600">
+                          <a:endParaRPr lang="pt-BR" sz="1600" b="1" dirty="0">
                             <a:effectLst/>
                           </a:endParaRPr>
                         </a:p>
@@ -26770,16 +26914,12 @@
                             </a:spcAft>
                           </a:pPr>
                           <a:r>
-                            <a:rPr lang="pt-BR" sz="1600" b="0" i="0" u="none" strike="noStrike">
-                              <a:solidFill>
-                                <a:srgbClr val="000000"/>
-                              </a:solidFill>
+                            <a:rPr lang="pt-BR" sz="1600" dirty="0" smtClean="0">
                               <a:effectLst/>
-                              <a:latin typeface="Times New Roman" panose="02020603050405020304" pitchFamily="18" charset="0"/>
                             </a:rPr>
-                            <a:t>48,76 m</a:t>
+                            <a:t>43,74 m</a:t>
                           </a:r>
-                          <a:endParaRPr lang="pt-BR" sz="1600">
+                          <a:endParaRPr lang="pt-BR" sz="1600" dirty="0">
                             <a:effectLst/>
                           </a:endParaRPr>
                         </a:p>
@@ -26837,16 +26977,12 @@
                             </a:spcAft>
                           </a:pPr>
                           <a:r>
-                            <a:rPr lang="pt-BR" sz="1600" b="0" i="0" u="none" strike="noStrike">
-                              <a:solidFill>
-                                <a:srgbClr val="000000"/>
-                              </a:solidFill>
+                            <a:rPr lang="pt-BR" sz="1600" dirty="0" smtClean="0">
                               <a:effectLst/>
-                              <a:latin typeface="Times New Roman" panose="02020603050405020304" pitchFamily="18" charset="0"/>
                             </a:rPr>
-                            <a:t>43,44 m</a:t>
+                            <a:t>39,28 m</a:t>
                           </a:r>
-                          <a:endParaRPr lang="pt-BR" sz="1600">
+                          <a:endParaRPr lang="pt-BR" sz="1600" dirty="0">
                             <a:effectLst/>
                           </a:endParaRPr>
                         </a:p>
@@ -26904,16 +27040,12 @@
                             </a:spcAft>
                           </a:pPr>
                           <a:r>
-                            <a:rPr lang="pt-BR" sz="1600" b="1" i="0" u="none" strike="noStrike" dirty="0">
-                              <a:solidFill>
-                                <a:srgbClr val="000000"/>
-                              </a:solidFill>
+                            <a:rPr lang="pt-BR" sz="1600" b="1" dirty="0" smtClean="0">
                               <a:effectLst/>
-                              <a:latin typeface="Times New Roman" panose="02020603050405020304" pitchFamily="18" charset="0"/>
                             </a:rPr>
-                            <a:t>0,66 m</a:t>
+                            <a:t>0,44 m</a:t>
                           </a:r>
-                          <a:endParaRPr lang="pt-BR" sz="1600" dirty="0">
+                          <a:endParaRPr lang="pt-BR" sz="1600" b="1" dirty="0">
                             <a:effectLst/>
                           </a:endParaRPr>
                         </a:p>
@@ -26971,16 +27103,12 @@
                             </a:spcAft>
                           </a:pPr>
                           <a:r>
-                            <a:rPr lang="pt-BR" sz="1600" b="0" i="0" u="none" strike="noStrike">
-                              <a:solidFill>
-                                <a:srgbClr val="000000"/>
-                              </a:solidFill>
+                            <a:rPr lang="pt-BR" sz="1600" dirty="0" smtClean="0">
                               <a:effectLst/>
-                              <a:latin typeface="Times New Roman" panose="02020603050405020304" pitchFamily="18" charset="0"/>
                             </a:rPr>
-                            <a:t>257,88 m</a:t>
+                            <a:t>245,89 m</a:t>
                           </a:r>
-                          <a:endParaRPr lang="pt-BR" sz="1600">
+                          <a:endParaRPr lang="pt-BR" sz="1600" dirty="0">
                             <a:effectLst/>
                           </a:endParaRPr>
                         </a:p>
@@ -27189,16 +27317,12 @@
                             </a:spcAft>
                           </a:pPr>
                           <a:r>
-                            <a:rPr lang="pt-BR" sz="1600" b="1" i="0" u="none" strike="noStrike">
-                              <a:solidFill>
-                                <a:srgbClr val="000000"/>
-                              </a:solidFill>
+                            <a:rPr lang="pt-BR" sz="1600" b="1" dirty="0" smtClean="0">
                               <a:effectLst/>
-                              <a:latin typeface="Times New Roman" panose="02020603050405020304" pitchFamily="18" charset="0"/>
                             </a:rPr>
-                            <a:t>60,65 m</a:t>
+                            <a:t>76,59 m</a:t>
                           </a:r>
-                          <a:endParaRPr lang="pt-BR" sz="1600">
+                          <a:endParaRPr lang="pt-BR" sz="1600" b="1" dirty="0">
                             <a:effectLst/>
                           </a:endParaRPr>
                         </a:p>
@@ -27256,16 +27380,12 @@
                             </a:spcAft>
                           </a:pPr>
                           <a:r>
-                            <a:rPr lang="pt-BR" sz="1600" b="0" i="0" u="none" strike="noStrike">
-                              <a:solidFill>
-                                <a:srgbClr val="000000"/>
-                              </a:solidFill>
+                            <a:rPr lang="pt-BR" sz="1600" b="1" dirty="0" smtClean="0">
                               <a:effectLst/>
-                              <a:latin typeface="Times New Roman" panose="02020603050405020304" pitchFamily="18" charset="0"/>
                             </a:rPr>
-                            <a:t>24,64 m</a:t>
+                            <a:t>25,18 m</a:t>
                           </a:r>
-                          <a:endParaRPr lang="pt-BR" sz="1600">
+                          <a:endParaRPr lang="pt-BR" sz="1600" b="1" dirty="0">
                             <a:effectLst/>
                           </a:endParaRPr>
                         </a:p>
@@ -27323,16 +27443,12 @@
                             </a:spcAft>
                           </a:pPr>
                           <a:r>
-                            <a:rPr lang="pt-BR" sz="1600" b="1" i="0" u="none" strike="noStrike">
-                              <a:solidFill>
-                                <a:srgbClr val="000000"/>
-                              </a:solidFill>
+                            <a:rPr lang="pt-BR" sz="1600" dirty="0" smtClean="0">
                               <a:effectLst/>
-                              <a:latin typeface="Times New Roman" panose="02020603050405020304" pitchFamily="18" charset="0"/>
                             </a:rPr>
                             <a:t>21,40 m</a:t>
                           </a:r>
-                          <a:endParaRPr lang="pt-BR" sz="1600">
+                          <a:endParaRPr lang="pt-BR" sz="1600" dirty="0">
                             <a:effectLst/>
                           </a:endParaRPr>
                         </a:p>
@@ -27390,16 +27506,12 @@
                             </a:spcAft>
                           </a:pPr>
                           <a:r>
-                            <a:rPr lang="pt-BR" sz="1600" b="1" i="0" u="none" strike="noStrike">
-                              <a:solidFill>
-                                <a:srgbClr val="000000"/>
-                              </a:solidFill>
+                            <a:rPr lang="pt-BR" sz="1600" b="1" dirty="0" smtClean="0">
                               <a:effectLst/>
-                              <a:latin typeface="Times New Roman" panose="02020603050405020304" pitchFamily="18" charset="0"/>
                             </a:rPr>
-                            <a:t>116,27 m</a:t>
+                            <a:t>176,09 m</a:t>
                           </a:r>
-                          <a:endParaRPr lang="pt-BR" sz="1600">
+                          <a:endParaRPr lang="pt-BR" sz="1600" b="1" dirty="0">
                             <a:effectLst/>
                           </a:endParaRPr>
                         </a:p>
@@ -27541,16 +27653,12 @@
                             </a:spcAft>
                           </a:pPr>
                           <a:r>
-                            <a:rPr lang="pt-BR" sz="1600" b="0" i="0" u="none" strike="noStrike">
-                              <a:solidFill>
-                                <a:srgbClr val="000000"/>
-                              </a:solidFill>
+                            <a:rPr lang="pt-BR" sz="1600" dirty="0" smtClean="0">
                               <a:effectLst/>
-                              <a:latin typeface="Times New Roman" panose="02020603050405020304" pitchFamily="18" charset="0"/>
                             </a:rPr>
-                            <a:t>90,08 m</a:t>
+                            <a:t>80,99 m</a:t>
                           </a:r>
-                          <a:endParaRPr lang="pt-BR" sz="1600">
+                          <a:endParaRPr lang="pt-BR" sz="1600" dirty="0">
                             <a:effectLst/>
                           </a:endParaRPr>
                         </a:p>
@@ -27608,16 +27716,12 @@
                             </a:spcAft>
                           </a:pPr>
                           <a:r>
-                            <a:rPr lang="pt-BR" sz="1600" b="1" i="0" u="none" strike="noStrike">
-                              <a:solidFill>
-                                <a:srgbClr val="000000"/>
-                              </a:solidFill>
+                            <a:rPr lang="pt-BR" sz="1600" dirty="0" smtClean="0">
                               <a:effectLst/>
-                              <a:latin typeface="Times New Roman" panose="02020603050405020304" pitchFamily="18" charset="0"/>
                             </a:rPr>
-                            <a:t>24,59 m</a:t>
+                            <a:t>28,67 m</a:t>
                           </a:r>
-                          <a:endParaRPr lang="pt-BR" sz="1600">
+                          <a:endParaRPr lang="pt-BR" sz="1600" dirty="0">
                             <a:effectLst/>
                           </a:endParaRPr>
                         </a:p>
@@ -27675,16 +27779,18 @@
                             </a:spcAft>
                           </a:pPr>
                           <a:r>
-                            <a:rPr lang="pt-BR" sz="1600" b="0" i="0" u="none" strike="noStrike">
-                              <a:solidFill>
-                                <a:srgbClr val="000000"/>
-                              </a:solidFill>
+                            <a:rPr lang="pt-BR" sz="1600" b="1" dirty="0" smtClean="0">
                               <a:effectLst/>
-                              <a:latin typeface="Times New Roman" panose="02020603050405020304" pitchFamily="18" charset="0"/>
                             </a:rPr>
-                            <a:t>32,13 m</a:t>
+                            <a:t>17,44</a:t>
                           </a:r>
-                          <a:endParaRPr lang="pt-BR" sz="1600">
+                          <a:r>
+                            <a:rPr lang="pt-BR" sz="1600" b="1" baseline="0" dirty="0" smtClean="0">
+                              <a:effectLst/>
+                            </a:rPr>
+                            <a:t> m</a:t>
+                          </a:r>
+                          <a:endParaRPr lang="pt-BR" sz="1600" b="1" dirty="0">
                             <a:effectLst/>
                           </a:endParaRPr>
                         </a:p>
@@ -27742,14 +27848,10 @@
                             </a:spcAft>
                           </a:pPr>
                           <a:r>
-                            <a:rPr lang="pt-BR" sz="1600" b="0" i="0" u="none" strike="noStrike" dirty="0">
-                              <a:solidFill>
-                                <a:srgbClr val="000000"/>
-                              </a:solidFill>
+                            <a:rPr lang="pt-BR" sz="1600" dirty="0" smtClean="0">
                               <a:effectLst/>
-                              <a:latin typeface="Times New Roman" panose="02020603050405020304" pitchFamily="18" charset="0"/>
                             </a:rPr>
-                            <a:t>137,37 m</a:t>
+                            <a:t>198,83 m</a:t>
                           </a:r>
                           <a:endParaRPr lang="pt-BR" sz="1600" dirty="0">
                             <a:effectLst/>
@@ -28098,7 +28200,7 @@
             <p:nvPr/>
           </p:nvPicPr>
           <p:blipFill>
-            <a:blip r:embed="rId4">
+            <a:blip r:embed="rId5">
               <a:extLst>
                 <a:ext uri="{28A0092B-C50C-407E-A947-70E740481C1C}">
                   <a14:useLocalDpi xmlns:a14="http://schemas.microsoft.com/office/drawing/2010/main" val="0"/>
@@ -28128,7 +28230,7 @@
             <p:nvPr/>
           </p:nvPicPr>
           <p:blipFill>
-            <a:blip r:embed="rId5" cstate="print">
+            <a:blip r:embed="rId6" cstate="print">
               <a:extLst>
                 <a:ext uri="{28A0092B-C50C-407E-A947-70E740481C1C}">
                   <a14:useLocalDpi xmlns:a14="http://schemas.microsoft.com/office/drawing/2010/main" val="0"/>
@@ -28652,45 +28754,6 @@
           </a:p>
         </p:txBody>
       </p:sp>
-      <p:pic>
-        <p:nvPicPr>
-          <p:cNvPr id="4098" name="Picture 2" descr="https://lh6.googleusercontent.com/m16apDa4KITGE4txfl-T9EcmL_N8lJOfimi-FR8oK43SOHaqCGfQ8ZxOwaxjYITGwm3MwUuSOpEro43v7saMCFCLN05HNLzqtCbqpqtEd0tNTOnTPCftBfVDMibZ40iX-tktkct6"/>
-          <p:cNvPicPr>
-            <a:picLocks noChangeAspect="1" noChangeArrowheads="1"/>
-          </p:cNvPicPr>
-          <p:nvPr/>
-        </p:nvPicPr>
-        <p:blipFill rotWithShape="1">
-          <a:blip r:embed="rId3">
-            <a:extLst>
-              <a:ext uri="{28A0092B-C50C-407E-A947-70E740481C1C}">
-                <a14:useLocalDpi xmlns:a14="http://schemas.microsoft.com/office/drawing/2010/main" val="0"/>
-              </a:ext>
-            </a:extLst>
-          </a:blip>
-          <a:srcRect l="2769" t="10646" r="9692"/>
-          <a:stretch/>
-        </p:blipFill>
-        <p:spPr bwMode="auto">
-          <a:xfrm>
-            <a:off x="3039857" y="1820475"/>
-            <a:ext cx="6112285" cy="4159304"/>
-          </a:xfrm>
-          <a:prstGeom prst="rect">
-            <a:avLst/>
-          </a:prstGeom>
-          <a:noFill/>
-          <a:extLst>
-            <a:ext uri="{909E8E84-426E-40DD-AFC4-6F175D3DCCD1}">
-              <a14:hiddenFill xmlns:a14="http://schemas.microsoft.com/office/drawing/2010/main">
-                <a:solidFill>
-                  <a:srgbClr val="FFFFFF"/>
-                </a:solidFill>
-              </a14:hiddenFill>
-            </a:ext>
-          </a:extLst>
-        </p:spPr>
-      </p:pic>
       <p:grpSp>
         <p:nvGrpSpPr>
           <p:cNvPr id="14" name="Group 13"/>
@@ -28714,7 +28777,7 @@
             <p:nvPr/>
           </p:nvPicPr>
           <p:blipFill>
-            <a:blip r:embed="rId4">
+            <a:blip r:embed="rId3">
               <a:extLst>
                 <a:ext uri="{28A0092B-C50C-407E-A947-70E740481C1C}">
                   <a14:useLocalDpi xmlns:a14="http://schemas.microsoft.com/office/drawing/2010/main" val="0"/>
@@ -28744,7 +28807,7 @@
             <p:nvPr/>
           </p:nvPicPr>
           <p:blipFill>
-            <a:blip r:embed="rId5" cstate="print">
+            <a:blip r:embed="rId4" cstate="print">
               <a:extLst>
                 <a:ext uri="{28A0092B-C50C-407E-A947-70E740481C1C}">
                   <a14:useLocalDpi xmlns:a14="http://schemas.microsoft.com/office/drawing/2010/main" val="0"/>
@@ -28766,6 +28829,60 @@
           </p:spPr>
         </p:pic>
       </p:grpSp>
+      <p:pic>
+        <p:nvPicPr>
+          <p:cNvPr id="2050" name="Picture 2" descr="Outdoor"/>
+          <p:cNvPicPr>
+            <a:picLocks noChangeAspect="1" noChangeArrowheads="1"/>
+          </p:cNvPicPr>
+          <p:nvPr/>
+        </p:nvPicPr>
+        <p:blipFill>
+          <a:blip r:embed="rId5">
+            <a:extLst>
+              <a:ext uri="{28A0092B-C50C-407E-A947-70E740481C1C}">
+                <a14:useLocalDpi xmlns:a14="http://schemas.microsoft.com/office/drawing/2010/main" val="0"/>
+              </a:ext>
+            </a:extLst>
+          </a:blip>
+          <a:srcRect l="2547" t="11111" r="9259" b="1215"/>
+          <a:stretch>
+            <a:fillRect/>
+          </a:stretch>
+        </p:blipFill>
+        <p:spPr bwMode="auto">
+          <a:xfrm>
+            <a:off x="2964700" y="2018963"/>
+            <a:ext cx="6262599" cy="4158000"/>
+          </a:xfrm>
+          <a:prstGeom prst="rect">
+            <a:avLst/>
+          </a:prstGeom>
+          <a:noFill/>
+          <a:ln>
+            <a:noFill/>
+          </a:ln>
+          <a:extLst>
+            <a:ext uri="{909E8E84-426E-40DD-AFC4-6F175D3DCCD1}">
+              <a14:hiddenFill xmlns:a14="http://schemas.microsoft.com/office/drawing/2010/main">
+                <a:solidFill>
+                  <a:srgbClr val="FFFFFF"/>
+                </a:solidFill>
+              </a14:hiddenFill>
+            </a:ext>
+            <a:ext uri="{91240B29-F687-4F45-9708-019B960494DF}">
+              <a14:hiddenLine xmlns:a14="http://schemas.microsoft.com/office/drawing/2010/main" w="9525">
+                <a:solidFill>
+                  <a:srgbClr val="000000"/>
+                </a:solidFill>
+                <a:miter lim="800000"/>
+                <a:headEnd/>
+                <a:tailEnd/>
+              </a14:hiddenLine>
+            </a:ext>
+          </a:extLst>
+        </p:spPr>
+      </p:pic>
     </p:spTree>
     <p:extLst>
       <p:ext uri="{BB962C8B-B14F-4D97-AF65-F5344CB8AC3E}">
@@ -28990,15 +29107,7 @@
                   <a:srgbClr val="FF0000"/>
                 </a:solidFill>
               </a:rPr>
-              <a:t>In</a:t>
-            </a:r>
-            <a:r>
-              <a:rPr lang="pt-BR" i="1" dirty="0" smtClean="0">
-                <a:solidFill>
-                  <a:srgbClr val="FF0000"/>
-                </a:solidFill>
-              </a:rPr>
-              <a:t>door</a:t>
+              <a:t>Indoor</a:t>
             </a:r>
             <a:endParaRPr lang="pt-BR" dirty="0" smtClean="0">
               <a:solidFill>
@@ -29085,13 +29194,13 @@
       </p:grpSp>
       <p:pic>
         <p:nvPicPr>
-          <p:cNvPr id="12" name="Picture 4" descr="https://lh6.googleusercontent.com/YcVD_1AfwcWKoYNexL2ls2v8PBtY9iXtUhMm_Ba23LuzQXLtFeWjmYvfjJidbx69rk12MiFEOZucIMkATF2XnFWatWQckfjzwukgdnSpise4wdBw_1YWy4FFB2K7DVqNlJE6dM6Z"/>
+          <p:cNvPr id="3074" name="Picture 2" descr="Indoor"/>
           <p:cNvPicPr>
             <a:picLocks noChangeAspect="1" noChangeArrowheads="1"/>
           </p:cNvPicPr>
           <p:nvPr/>
         </p:nvPicPr>
-        <p:blipFill rotWithShape="1">
+        <p:blipFill>
           <a:blip r:embed="rId5">
             <a:extLst>
               <a:ext uri="{28A0092B-C50C-407E-A947-70E740481C1C}">
@@ -29099,18 +29208,23 @@
               </a:ext>
             </a:extLst>
           </a:blip>
-          <a:srcRect l="2559" t="11821" r="9557" b="-1"/>
-          <a:stretch/>
+          <a:srcRect l="2431" t="11632" r="7523" b="1389"/>
+          <a:stretch>
+            <a:fillRect/>
+          </a:stretch>
         </p:blipFill>
         <p:spPr bwMode="auto">
           <a:xfrm>
-            <a:off x="3004457" y="1858945"/>
-            <a:ext cx="6216178" cy="4158000"/>
+            <a:off x="2870384" y="2018371"/>
+            <a:ext cx="6451231" cy="4158000"/>
           </a:xfrm>
           <a:prstGeom prst="rect">
             <a:avLst/>
           </a:prstGeom>
           <a:noFill/>
+          <a:ln>
+            <a:noFill/>
+          </a:ln>
           <a:extLst>
             <a:ext uri="{909E8E84-426E-40DD-AFC4-6F175D3DCCD1}">
               <a14:hiddenFill xmlns:a14="http://schemas.microsoft.com/office/drawing/2010/main">
@@ -29118,6 +29232,16 @@
                   <a:srgbClr val="FFFFFF"/>
                 </a:solidFill>
               </a14:hiddenFill>
+            </a:ext>
+            <a:ext uri="{91240B29-F687-4F45-9708-019B960494DF}">
+              <a14:hiddenLine xmlns:a14="http://schemas.microsoft.com/office/drawing/2010/main" w="9525">
+                <a:solidFill>
+                  <a:srgbClr val="000000"/>
+                </a:solidFill>
+                <a:miter lim="800000"/>
+                <a:headEnd/>
+                <a:tailEnd/>
+              </a14:hiddenLine>
             </a:ext>
           </a:extLst>
         </p:spPr>
@@ -29338,15 +29462,7 @@
                   <a:srgbClr val="FF0000"/>
                 </a:solidFill>
               </a:rPr>
-              <a:t>Cenário </a:t>
-            </a:r>
-            <a:r>
-              <a:rPr lang="pt-BR" dirty="0" smtClean="0">
-                <a:solidFill>
-                  <a:srgbClr val="FF0000"/>
-                </a:solidFill>
-              </a:rPr>
-              <a:t>Indoor-</a:t>
+              <a:t>Cenário Indoor-</a:t>
             </a:r>
             <a:r>
               <a:rPr lang="pt-BR" i="1" dirty="0" smtClean="0">
@@ -29441,13 +29557,13 @@
       </p:grpSp>
       <p:pic>
         <p:nvPicPr>
-          <p:cNvPr id="12" name="Picture 6" descr="https://lh4.googleusercontent.com/W5kikIv2gMm314GWt76mD_8PHsvqpFIl94NFubIeWF6pn0169QpgBNV18qm3sDSQcTaWHtH9PvCvr1C57uWTF0z3VJH5fAmxSb3P6CK3m_AigaxPRWshn6F8US1SV0ox3rou6mqi"/>
+          <p:cNvPr id="4098" name="Picture 2" descr="Indoor-Outdoor"/>
           <p:cNvPicPr>
             <a:picLocks noChangeAspect="1" noChangeArrowheads="1"/>
           </p:cNvPicPr>
           <p:nvPr/>
         </p:nvPicPr>
-        <p:blipFill rotWithShape="1">
+        <p:blipFill>
           <a:blip r:embed="rId5">
             <a:extLst>
               <a:ext uri="{28A0092B-C50C-407E-A947-70E740481C1C}">
@@ -29455,18 +29571,23 @@
               </a:ext>
             </a:extLst>
           </a:blip>
-          <a:srcRect l="2763" t="11777" r="7835" b="1386"/>
-          <a:stretch/>
+          <a:srcRect l="2315" t="11458" r="9259" b="1389"/>
+          <a:stretch>
+            <a:fillRect/>
+          </a:stretch>
         </p:blipFill>
         <p:spPr bwMode="auto">
           <a:xfrm>
-            <a:off x="3015343" y="1855799"/>
-            <a:ext cx="6421344" cy="4158000"/>
+            <a:off x="2931016" y="2107055"/>
+            <a:ext cx="6329968" cy="4158000"/>
           </a:xfrm>
           <a:prstGeom prst="rect">
             <a:avLst/>
           </a:prstGeom>
           <a:noFill/>
+          <a:ln>
+            <a:noFill/>
+          </a:ln>
           <a:extLst>
             <a:ext uri="{909E8E84-426E-40DD-AFC4-6F175D3DCCD1}">
               <a14:hiddenFill xmlns:a14="http://schemas.microsoft.com/office/drawing/2010/main">
@@ -29474,6 +29595,16 @@
                   <a:srgbClr val="FFFFFF"/>
                 </a:solidFill>
               </a14:hiddenFill>
+            </a:ext>
+            <a:ext uri="{91240B29-F687-4F45-9708-019B960494DF}">
+              <a14:hiddenLine xmlns:a14="http://schemas.microsoft.com/office/drawing/2010/main" w="9525">
+                <a:solidFill>
+                  <a:srgbClr val="000000"/>
+                </a:solidFill>
+                <a:miter lim="800000"/>
+                <a:headEnd/>
+                <a:tailEnd/>
+              </a14:hiddenLine>
             </a:ext>
           </a:extLst>
         </p:spPr>
@@ -29623,86 +29754,6 @@
           </a:p>
         </p:txBody>
       </p:sp>
-      <p:pic>
-        <p:nvPicPr>
-          <p:cNvPr id="2050" name="Picture 2" descr="https://lh6.googleusercontent.com/qteVrne7GCOfsHsbkpytx1-geZ5xbMLoZukUQrPRl6qoa9cEEjOdf_uuX5sONzwI0a4jzRZULo7Az3_tjSBBYB6d6ePWq-JRVTa7Bt5wGjoVmm0fnDJwUXu_5_bt7LkqLMgFXWQA"/>
-          <p:cNvPicPr>
-            <a:picLocks noGrp="1" noChangeAspect="1" noChangeArrowheads="1"/>
-          </p:cNvPicPr>
-          <p:nvPr>
-            <p:ph sz="half" idx="1"/>
-          </p:nvPr>
-        </p:nvPicPr>
-        <p:blipFill rotWithShape="1">
-          <a:blip r:embed="rId3">
-            <a:extLst>
-              <a:ext uri="{28A0092B-C50C-407E-A947-70E740481C1C}">
-                <a14:useLocalDpi xmlns:a14="http://schemas.microsoft.com/office/drawing/2010/main" val="0"/>
-              </a:ext>
-            </a:extLst>
-          </a:blip>
-          <a:srcRect l="5582" t="13166" r="29356"/>
-          <a:stretch/>
-        </p:blipFill>
-        <p:spPr bwMode="auto">
-          <a:xfrm>
-            <a:off x="949653" y="1637101"/>
-            <a:ext cx="5233170" cy="2982191"/>
-          </a:xfrm>
-          <a:prstGeom prst="rect">
-            <a:avLst/>
-          </a:prstGeom>
-          <a:noFill/>
-          <a:extLst>
-            <a:ext uri="{909E8E84-426E-40DD-AFC4-6F175D3DCCD1}">
-              <a14:hiddenFill xmlns:a14="http://schemas.microsoft.com/office/drawing/2010/main">
-                <a:solidFill>
-                  <a:srgbClr val="FFFFFF"/>
-                </a:solidFill>
-              </a14:hiddenFill>
-            </a:ext>
-          </a:extLst>
-        </p:spPr>
-      </p:pic>
-      <p:pic>
-        <p:nvPicPr>
-          <p:cNvPr id="2052" name="Picture 4" descr="https://lh5.googleusercontent.com/WfN0xeo1wC6LhX8Cn8z2M0KnIEbDlUroArCt87v09GHe_H1W893a0tpDTIINHAt6TqywPXVv9z6T3iM3Dd9MQWNLY9tlWudUy_Bj2irv_OSQvE4Bs-I392MnWNiefj0q5DJP3J3Q"/>
-          <p:cNvPicPr>
-            <a:picLocks noChangeAspect="1" noChangeArrowheads="1"/>
-          </p:cNvPicPr>
-          <p:nvPr/>
-        </p:nvPicPr>
-        <p:blipFill rotWithShape="1">
-          <a:blip r:embed="rId4">
-            <a:extLst>
-              <a:ext uri="{28A0092B-C50C-407E-A947-70E740481C1C}">
-                <a14:useLocalDpi xmlns:a14="http://schemas.microsoft.com/office/drawing/2010/main" val="0"/>
-              </a:ext>
-            </a:extLst>
-          </a:blip>
-          <a:srcRect l="5279" t="13842" r="29536" b="2527"/>
-          <a:stretch/>
-        </p:blipFill>
-        <p:spPr bwMode="auto">
-          <a:xfrm>
-            <a:off x="6424476" y="1606954"/>
-            <a:ext cx="5441243" cy="2930544"/>
-          </a:xfrm>
-          <a:prstGeom prst="rect">
-            <a:avLst/>
-          </a:prstGeom>
-          <a:noFill/>
-          <a:extLst>
-            <a:ext uri="{909E8E84-426E-40DD-AFC4-6F175D3DCCD1}">
-              <a14:hiddenFill xmlns:a14="http://schemas.microsoft.com/office/drawing/2010/main">
-                <a:solidFill>
-                  <a:srgbClr val="FFFFFF"/>
-                </a:solidFill>
-              </a14:hiddenFill>
-            </a:ext>
-          </a:extLst>
-        </p:spPr>
-      </p:pic>
       <p:grpSp>
         <p:nvGrpSpPr>
           <p:cNvPr id="12" name="Group 11"/>
@@ -29726,7 +29777,7 @@
             <p:nvPr/>
           </p:nvPicPr>
           <p:blipFill>
-            <a:blip r:embed="rId5">
+            <a:blip r:embed="rId3">
               <a:extLst>
                 <a:ext uri="{28A0092B-C50C-407E-A947-70E740481C1C}">
                   <a14:useLocalDpi xmlns:a14="http://schemas.microsoft.com/office/drawing/2010/main" val="0"/>
@@ -29756,7 +29807,7 @@
             <p:nvPr/>
           </p:nvPicPr>
           <p:blipFill>
-            <a:blip r:embed="rId6" cstate="print">
+            <a:blip r:embed="rId4" cstate="print">
               <a:extLst>
                 <a:ext uri="{28A0092B-C50C-407E-A947-70E740481C1C}">
                   <a14:useLocalDpi xmlns:a14="http://schemas.microsoft.com/office/drawing/2010/main" val="0"/>
@@ -29787,42 +29838,42 @@
           <p:nvPr>
             <p:extLst>
               <p:ext uri="{D42A27DB-BD31-4B8C-83A1-F6EECF244321}">
-                <p14:modId xmlns:p14="http://schemas.microsoft.com/office/powerpoint/2010/main" val="1387960476"/>
+                <p14:modId xmlns:p14="http://schemas.microsoft.com/office/powerpoint/2010/main" val="3065273278"/>
               </p:ext>
             </p:extLst>
           </p:nvPr>
         </p:nvGraphicFramePr>
         <p:xfrm>
-          <a:off x="3220548" y="5015224"/>
-          <a:ext cx="5924550" cy="929640"/>
+          <a:off x="3216425" y="4843774"/>
+          <a:ext cx="6337150" cy="1356360"/>
         </p:xfrm>
         <a:graphic>
           <a:graphicData uri="http://schemas.openxmlformats.org/drawingml/2006/table">
             <a:tbl>
               <a:tblPr/>
               <a:tblGrid>
-                <a:gridCol w="1276350">
+                <a:gridCol w="1365238">
                   <a:extLst>
                     <a:ext uri="{9D8B030D-6E8A-4147-A177-3AD203B41FA5}">
                       <a16:colId xmlns:a16="http://schemas.microsoft.com/office/drawing/2014/main" val="3732369072"/>
                     </a:ext>
                   </a:extLst>
                 </a:gridCol>
-                <a:gridCol w="1600200">
+                <a:gridCol w="1711642">
                   <a:extLst>
                     <a:ext uri="{9D8B030D-6E8A-4147-A177-3AD203B41FA5}">
                       <a16:colId xmlns:a16="http://schemas.microsoft.com/office/drawing/2014/main" val="3140514075"/>
                     </a:ext>
                   </a:extLst>
                 </a:gridCol>
-                <a:gridCol w="1600200">
+                <a:gridCol w="1711642">
                   <a:extLst>
                     <a:ext uri="{9D8B030D-6E8A-4147-A177-3AD203B41FA5}">
                       <a16:colId xmlns:a16="http://schemas.microsoft.com/office/drawing/2014/main" val="2142484425"/>
                     </a:ext>
                   </a:extLst>
                 </a:gridCol>
-                <a:gridCol w="1447800">
+                <a:gridCol w="1548628">
                   <a:extLst>
                     <a:ext uri="{9D8B030D-6E8A-4147-A177-3AD203B41FA5}">
                       <a16:colId xmlns:a16="http://schemas.microsoft.com/office/drawing/2014/main" val="2971850712"/>
@@ -29838,14 +29889,14 @@
                     <a:p>
                       <a:pPr algn="ctr" fontAlgn="ctr"/>
                       <a:r>
-                        <a:rPr lang="pt-BR" sz="1200" b="1" dirty="0" smtClean="0">
+                        <a:rPr lang="pt-BR" sz="1600" b="1" dirty="0" smtClean="0">
                           <a:effectLst/>
                           <a:latin typeface="Times New Roman" panose="02020603050405020304" pitchFamily="18" charset="0"/>
                           <a:cs typeface="Times New Roman" panose="02020603050405020304" pitchFamily="18" charset="0"/>
                         </a:rPr>
                         <a:t>Técnica</a:t>
                       </a:r>
-                      <a:endParaRPr lang="pt-BR" b="1" dirty="0">
+                      <a:endParaRPr lang="pt-BR" sz="2400" b="1" dirty="0">
                         <a:effectLst/>
                         <a:latin typeface="Times New Roman" panose="02020603050405020304" pitchFamily="18" charset="0"/>
                         <a:cs typeface="Times New Roman" panose="02020603050405020304" pitchFamily="18" charset="0"/>
@@ -29905,7 +29956,7 @@
                         </a:spcAft>
                       </a:pPr>
                       <a:r>
-                        <a:rPr lang="pt-BR" sz="1200" b="1" i="0" u="none" strike="noStrike" dirty="0">
+                        <a:rPr lang="pt-BR" sz="1600" b="1" i="0" u="none" strike="noStrike" dirty="0">
                           <a:solidFill>
                             <a:srgbClr val="000000"/>
                           </a:solidFill>
@@ -29914,7 +29965,7 @@
                         </a:rPr>
                         <a:t>Fase de Treinamento</a:t>
                       </a:r>
-                      <a:endParaRPr lang="pt-BR" dirty="0">
+                      <a:endParaRPr lang="pt-BR" sz="2400" dirty="0">
                         <a:effectLst/>
                       </a:endParaRPr>
                     </a:p>
@@ -29972,7 +30023,7 @@
                         </a:spcAft>
                       </a:pPr>
                       <a:r>
-                        <a:rPr lang="pt-BR" sz="1200" b="1" i="0" u="none" strike="noStrike" dirty="0">
+                        <a:rPr lang="pt-BR" sz="1600" b="1" i="0" u="none" strike="noStrike" dirty="0">
                           <a:solidFill>
                             <a:srgbClr val="000000"/>
                           </a:solidFill>
@@ -29981,7 +30032,7 @@
                         </a:rPr>
                         <a:t>Fase Teste (100 EMs)</a:t>
                       </a:r>
-                      <a:endParaRPr lang="pt-BR" dirty="0">
+                      <a:endParaRPr lang="pt-BR" sz="2400" dirty="0">
                         <a:effectLst/>
                       </a:endParaRPr>
                     </a:p>
@@ -30039,7 +30090,7 @@
                         </a:spcAft>
                       </a:pPr>
                       <a:r>
-                        <a:rPr lang="pt-BR" sz="1200" b="1" i="0" u="none" strike="noStrike" dirty="0">
+                        <a:rPr lang="pt-BR" sz="1600" b="1" i="0" u="none" strike="noStrike" dirty="0">
                           <a:solidFill>
                             <a:srgbClr val="000000"/>
                           </a:solidFill>
@@ -30048,7 +30099,7 @@
                         </a:rPr>
                         <a:t>Ápice de Memória</a:t>
                       </a:r>
-                      <a:endParaRPr lang="pt-BR" dirty="0">
+                      <a:endParaRPr lang="pt-BR" sz="2400" dirty="0">
                         <a:effectLst/>
                       </a:endParaRPr>
                     </a:p>
@@ -30113,7 +30164,7 @@
                         </a:spcAft>
                       </a:pPr>
                       <a:r>
-                        <a:rPr lang="pt-BR" sz="1200" b="1" i="0" u="none" strike="noStrike">
+                        <a:rPr lang="pt-BR" sz="1600" b="1" i="0" u="none" strike="noStrike">
                           <a:solidFill>
                             <a:srgbClr val="000000"/>
                           </a:solidFill>
@@ -30123,7 +30174,7 @@
                         <a:t>FP-</a:t>
                       </a:r>
                       <a:r>
-                        <a:rPr lang="pt-BR" sz="1200" b="1" i="1" u="none" strike="noStrike">
+                        <a:rPr lang="pt-BR" sz="1600" b="1" i="1" u="none" strike="noStrike">
                           <a:solidFill>
                             <a:srgbClr val="000000"/>
                           </a:solidFill>
@@ -30132,7 +30183,7 @@
                         </a:rPr>
                         <a:t>LightGBM</a:t>
                       </a:r>
-                      <a:endParaRPr lang="pt-BR">
+                      <a:endParaRPr lang="pt-BR" sz="2400">
                         <a:effectLst/>
                       </a:endParaRPr>
                     </a:p>
@@ -30190,16 +30241,26 @@
                         </a:spcAft>
                       </a:pPr>
                       <a:r>
-                        <a:rPr lang="pt-BR" sz="1200" b="0" i="0" u="none" strike="noStrike">
+                        <a:rPr lang="pt-BR" sz="1600" b="0" i="0" u="none" strike="noStrike" dirty="0" smtClean="0">
                           <a:solidFill>
                             <a:srgbClr val="000000"/>
                           </a:solidFill>
                           <a:effectLst/>
                           <a:latin typeface="Times New Roman" panose="02020603050405020304" pitchFamily="18" charset="0"/>
                         </a:rPr>
-                        <a:t>8,04 segundos</a:t>
+                        <a:t>23,10 </a:t>
                       </a:r>
-                      <a:endParaRPr lang="pt-BR">
+                      <a:r>
+                        <a:rPr lang="pt-BR" sz="1600" b="0" i="0" u="none" strike="noStrike" dirty="0">
+                          <a:solidFill>
+                            <a:srgbClr val="000000"/>
+                          </a:solidFill>
+                          <a:effectLst/>
+                          <a:latin typeface="Times New Roman" panose="02020603050405020304" pitchFamily="18" charset="0"/>
+                        </a:rPr>
+                        <a:t>segundos</a:t>
+                      </a:r>
+                      <a:endParaRPr lang="pt-BR" sz="2400" dirty="0">
                         <a:effectLst/>
                       </a:endParaRPr>
                     </a:p>
@@ -30257,16 +30318,36 @@
                         </a:spcAft>
                       </a:pPr>
                       <a:r>
-                        <a:rPr lang="pt-BR" sz="1200" b="0" i="0" u="none" strike="noStrike">
+                        <a:rPr lang="pt-BR" sz="1600" b="0" i="0" u="none" strike="noStrike" dirty="0" smtClean="0">
                           <a:solidFill>
                             <a:srgbClr val="000000"/>
                           </a:solidFill>
                           <a:effectLst/>
                           <a:latin typeface="Times New Roman" panose="02020603050405020304" pitchFamily="18" charset="0"/>
                         </a:rPr>
-                        <a:t>1,77 segundos</a:t>
+                        <a:t>5,68</a:t>
                       </a:r>
-                      <a:endParaRPr lang="pt-BR">
+                      <a:r>
+                        <a:rPr lang="pt-BR" sz="1600" b="0" i="0" u="none" strike="noStrike" baseline="0" dirty="0" smtClean="0">
+                          <a:solidFill>
+                            <a:srgbClr val="000000"/>
+                          </a:solidFill>
+                          <a:effectLst/>
+                          <a:latin typeface="Times New Roman" panose="02020603050405020304" pitchFamily="18" charset="0"/>
+                        </a:rPr>
+                        <a:t> </a:t>
+                      </a:r>
+                      <a:r>
+                        <a:rPr lang="pt-BR" sz="1600" b="0" i="0" u="none" strike="noStrike" dirty="0" smtClean="0">
+                          <a:solidFill>
+                            <a:srgbClr val="000000"/>
+                          </a:solidFill>
+                          <a:effectLst/>
+                          <a:latin typeface="Times New Roman" panose="02020603050405020304" pitchFamily="18" charset="0"/>
+                        </a:rPr>
+                        <a:t>segundos</a:t>
+                      </a:r>
+                      <a:endParaRPr lang="pt-BR" sz="2400" dirty="0">
                         <a:effectLst/>
                       </a:endParaRPr>
                     </a:p>
@@ -30324,16 +30405,26 @@
                         </a:spcAft>
                       </a:pPr>
                       <a:r>
-                        <a:rPr lang="pt-BR" sz="1200" b="0" i="0" u="none" strike="noStrike" dirty="0">
+                        <a:rPr lang="pt-BR" sz="1600" b="0" i="0" u="none" strike="noStrike" dirty="0" smtClean="0">
                           <a:solidFill>
                             <a:srgbClr val="000000"/>
                           </a:solidFill>
                           <a:effectLst/>
                           <a:latin typeface="Times New Roman" panose="02020603050405020304" pitchFamily="18" charset="0"/>
                         </a:rPr>
-                        <a:t>155,27 MiB</a:t>
+                        <a:t>156,07 </a:t>
                       </a:r>
-                      <a:endParaRPr lang="pt-BR" dirty="0">
+                      <a:r>
+                        <a:rPr lang="pt-BR" sz="1600" b="0" i="0" u="none" strike="noStrike" dirty="0">
+                          <a:solidFill>
+                            <a:srgbClr val="000000"/>
+                          </a:solidFill>
+                          <a:effectLst/>
+                          <a:latin typeface="Times New Roman" panose="02020603050405020304" pitchFamily="18" charset="0"/>
+                        </a:rPr>
+                        <a:t>MiB</a:t>
+                      </a:r>
+                      <a:endParaRPr lang="pt-BR" sz="2400" dirty="0">
                         <a:effectLst/>
                       </a:endParaRPr>
                     </a:p>
@@ -30398,7 +30489,7 @@
                         </a:spcAft>
                       </a:pPr>
                       <a:r>
-                        <a:rPr lang="pt-BR" sz="1200" b="1" i="0" u="none" strike="noStrike">
+                        <a:rPr lang="pt-BR" sz="1600" b="1" i="0" u="none" strike="noStrike">
                           <a:solidFill>
                             <a:srgbClr val="000000"/>
                           </a:solidFill>
@@ -30407,7 +30498,7 @@
                         </a:rPr>
                         <a:t>FP-SVR</a:t>
                       </a:r>
-                      <a:endParaRPr lang="pt-BR">
+                      <a:endParaRPr lang="pt-BR" sz="2400">
                         <a:effectLst/>
                       </a:endParaRPr>
                     </a:p>
@@ -30465,16 +30556,26 @@
                         </a:spcAft>
                       </a:pPr>
                       <a:r>
-                        <a:rPr lang="pt-BR" sz="1200" b="0" i="0" u="none" strike="noStrike" dirty="0">
+                        <a:rPr lang="pt-BR" sz="1600" b="0" i="0" u="none" strike="noStrike" dirty="0" smtClean="0">
                           <a:solidFill>
                             <a:srgbClr val="000000"/>
                           </a:solidFill>
                           <a:effectLst/>
                           <a:latin typeface="Times New Roman" panose="02020603050405020304" pitchFamily="18" charset="0"/>
                         </a:rPr>
-                        <a:t>14,58 segundos</a:t>
+                        <a:t>24,74 </a:t>
                       </a:r>
-                      <a:endParaRPr lang="pt-BR" dirty="0">
+                      <a:r>
+                        <a:rPr lang="pt-BR" sz="1600" b="0" i="0" u="none" strike="noStrike" dirty="0">
+                          <a:solidFill>
+                            <a:srgbClr val="000000"/>
+                          </a:solidFill>
+                          <a:effectLst/>
+                          <a:latin typeface="Times New Roman" panose="02020603050405020304" pitchFamily="18" charset="0"/>
+                        </a:rPr>
+                        <a:t>segundos</a:t>
+                      </a:r>
+                      <a:endParaRPr lang="pt-BR" sz="2400" dirty="0">
                         <a:effectLst/>
                       </a:endParaRPr>
                     </a:p>
@@ -30532,16 +30633,36 @@
                         </a:spcAft>
                       </a:pPr>
                       <a:r>
-                        <a:rPr lang="pt-BR" sz="1200" b="0" i="0" u="none" strike="noStrike">
+                        <a:rPr lang="pt-BR" sz="1600" b="0" i="0" u="none" strike="noStrike" dirty="0" smtClean="0">
                           <a:solidFill>
                             <a:srgbClr val="000000"/>
                           </a:solidFill>
                           <a:effectLst/>
                           <a:latin typeface="Times New Roman" panose="02020603050405020304" pitchFamily="18" charset="0"/>
                         </a:rPr>
-                        <a:t>1,77 segundos</a:t>
+                        <a:t>5,83</a:t>
                       </a:r>
-                      <a:endParaRPr lang="pt-BR">
+                      <a:r>
+                        <a:rPr lang="pt-BR" sz="1600" b="0" i="0" u="none" strike="noStrike" baseline="0" dirty="0" smtClean="0">
+                          <a:solidFill>
+                            <a:srgbClr val="000000"/>
+                          </a:solidFill>
+                          <a:effectLst/>
+                          <a:latin typeface="Times New Roman" panose="02020603050405020304" pitchFamily="18" charset="0"/>
+                        </a:rPr>
+                        <a:t> </a:t>
+                      </a:r>
+                      <a:r>
+                        <a:rPr lang="pt-BR" sz="1600" b="0" i="0" u="none" strike="noStrike" dirty="0" smtClean="0">
+                          <a:solidFill>
+                            <a:srgbClr val="000000"/>
+                          </a:solidFill>
+                          <a:effectLst/>
+                          <a:latin typeface="Times New Roman" panose="02020603050405020304" pitchFamily="18" charset="0"/>
+                        </a:rPr>
+                        <a:t>segundos</a:t>
+                      </a:r>
+                      <a:endParaRPr lang="pt-BR" sz="2400" dirty="0">
                         <a:effectLst/>
                       </a:endParaRPr>
                     </a:p>
@@ -30599,16 +30720,26 @@
                         </a:spcAft>
                       </a:pPr>
                       <a:r>
-                        <a:rPr lang="pt-BR" sz="1200" b="0" i="0" u="none" strike="noStrike" dirty="0">
+                        <a:rPr lang="pt-BR" sz="1600" b="0" i="0" u="none" strike="noStrike" dirty="0" smtClean="0">
                           <a:solidFill>
                             <a:srgbClr val="000000"/>
                           </a:solidFill>
                           <a:effectLst/>
                           <a:latin typeface="Times New Roman" panose="02020603050405020304" pitchFamily="18" charset="0"/>
                         </a:rPr>
-                        <a:t>160,10 MiB</a:t>
+                        <a:t>161,48 </a:t>
                       </a:r>
-                      <a:endParaRPr lang="pt-BR" dirty="0">
+                      <a:r>
+                        <a:rPr lang="pt-BR" sz="1600" b="0" i="0" u="none" strike="noStrike" dirty="0">
+                          <a:solidFill>
+                            <a:srgbClr val="000000"/>
+                          </a:solidFill>
+                          <a:effectLst/>
+                          <a:latin typeface="Times New Roman" panose="02020603050405020304" pitchFamily="18" charset="0"/>
+                        </a:rPr>
+                        <a:t>MiB</a:t>
+                      </a:r>
+                      <a:endParaRPr lang="pt-BR" sz="2400" dirty="0">
                         <a:effectLst/>
                       </a:endParaRPr>
                     </a:p>
@@ -30820,6 +30951,133 @@
           </a:p>
         </p:txBody>
       </p:sp>
+      <p:sp>
+        <p:nvSpPr>
+          <p:cNvPr id="2" name="Content Placeholder 1"/>
+          <p:cNvSpPr>
+            <a:spLocks noGrp="1"/>
+          </p:cNvSpPr>
+          <p:nvPr>
+            <p:ph sz="half" idx="1"/>
+          </p:nvPr>
+        </p:nvSpPr>
+        <p:spPr/>
+        <p:txBody>
+          <a:bodyPr/>
+          <a:lstStyle/>
+          <a:p>
+            <a:endParaRPr lang="pt-BR" dirty="0"/>
+          </a:p>
+        </p:txBody>
+      </p:sp>
+      <p:pic>
+        <p:nvPicPr>
+          <p:cNvPr id="5122" name="Picture 2" descr="lightgbmVfinal"/>
+          <p:cNvPicPr>
+            <a:picLocks noChangeAspect="1" noChangeArrowheads="1"/>
+          </p:cNvPicPr>
+          <p:nvPr/>
+        </p:nvPicPr>
+        <p:blipFill>
+          <a:blip r:embed="rId5">
+            <a:extLst>
+              <a:ext uri="{28A0092B-C50C-407E-A947-70E740481C1C}">
+                <a14:useLocalDpi xmlns:a14="http://schemas.microsoft.com/office/drawing/2010/main" val="0"/>
+              </a:ext>
+            </a:extLst>
+          </a:blip>
+          <a:srcRect l="5597" t="14212" r="29839" b="1907"/>
+          <a:stretch>
+            <a:fillRect/>
+          </a:stretch>
+        </p:blipFill>
+        <p:spPr bwMode="auto">
+          <a:xfrm>
+            <a:off x="725625" y="1710166"/>
+            <a:ext cx="5406750" cy="2980800"/>
+          </a:xfrm>
+          <a:prstGeom prst="rect">
+            <a:avLst/>
+          </a:prstGeom>
+          <a:noFill/>
+          <a:ln>
+            <a:noFill/>
+          </a:ln>
+          <a:extLst>
+            <a:ext uri="{909E8E84-426E-40DD-AFC4-6F175D3DCCD1}">
+              <a14:hiddenFill xmlns:a14="http://schemas.microsoft.com/office/drawing/2010/main">
+                <a:solidFill>
+                  <a:srgbClr val="FFFFFF"/>
+                </a:solidFill>
+              </a14:hiddenFill>
+            </a:ext>
+            <a:ext uri="{91240B29-F687-4F45-9708-019B960494DF}">
+              <a14:hiddenLine xmlns:a14="http://schemas.microsoft.com/office/drawing/2010/main" w="9525">
+                <a:solidFill>
+                  <a:srgbClr val="000000"/>
+                </a:solidFill>
+                <a:miter lim="800000"/>
+                <a:headEnd/>
+                <a:tailEnd/>
+              </a14:hiddenLine>
+            </a:ext>
+          </a:extLst>
+        </p:spPr>
+      </p:pic>
+      <p:pic>
+        <p:nvPicPr>
+          <p:cNvPr id="5123" name="Picture 3" descr="SVRVFinal"/>
+          <p:cNvPicPr>
+            <a:picLocks noChangeAspect="1" noChangeArrowheads="1"/>
+          </p:cNvPicPr>
+          <p:nvPr/>
+        </p:nvPicPr>
+        <p:blipFill>
+          <a:blip r:embed="rId6">
+            <a:extLst>
+              <a:ext uri="{28A0092B-C50C-407E-A947-70E740481C1C}">
+                <a14:useLocalDpi xmlns:a14="http://schemas.microsoft.com/office/drawing/2010/main" val="0"/>
+              </a:ext>
+            </a:extLst>
+          </a:blip>
+          <a:srcRect l="5525" t="13695" r="29613" b="2583"/>
+          <a:stretch>
+            <a:fillRect/>
+          </a:stretch>
+        </p:blipFill>
+        <p:spPr bwMode="auto">
+          <a:xfrm>
+            <a:off x="6244950" y="1710166"/>
+            <a:ext cx="5406750" cy="2980800"/>
+          </a:xfrm>
+          <a:prstGeom prst="rect">
+            <a:avLst/>
+          </a:prstGeom>
+          <a:noFill/>
+          <a:ln>
+            <a:noFill/>
+          </a:ln>
+          <a:extLst>
+            <a:ext uri="{909E8E84-426E-40DD-AFC4-6F175D3DCCD1}">
+              <a14:hiddenFill xmlns:a14="http://schemas.microsoft.com/office/drawing/2010/main">
+                <a:solidFill>
+                  <a:srgbClr val="FFFFFF"/>
+                </a:solidFill>
+              </a14:hiddenFill>
+            </a:ext>
+            <a:ext uri="{91240B29-F687-4F45-9708-019B960494DF}">
+              <a14:hiddenLine xmlns:a14="http://schemas.microsoft.com/office/drawing/2010/main" w="9525">
+                <a:solidFill>
+                  <a:srgbClr val="000000"/>
+                </a:solidFill>
+                <a:miter lim="800000"/>
+                <a:headEnd/>
+                <a:tailEnd/>
+              </a14:hiddenLine>
+            </a:ext>
+          </a:extLst>
+        </p:spPr>
+      </p:pic>
     </p:spTree>
     <p:extLst>
       <p:ext uri="{BB962C8B-B14F-4D97-AF65-F5344CB8AC3E}">
@@ -31300,7 +31558,7 @@
         </p:spPr>
         <p:txBody>
           <a:bodyPr>
-            <a:normAutofit fontScale="92500" lnSpcReduction="10000"/>
+            <a:normAutofit fontScale="92500" lnSpcReduction="20000"/>
           </a:bodyPr>
           <a:lstStyle/>
           <a:p>
@@ -31321,7 +31579,15 @@
             </a:r>
             <a:r>
               <a:rPr lang="pt-BR" dirty="0" smtClean="0"/>
-              <a:t>A técnica FP-LightGBM obteve melhor acurácia nos três ambientes analisados em relação a técnica FP-SVR.</a:t>
+              <a:t>A técnica FP-LightGBM obteve </a:t>
+            </a:r>
+            <a:r>
+              <a:rPr lang="pt-BR" dirty="0" smtClean="0"/>
+              <a:t>um aumento de acurácia </a:t>
+            </a:r>
+            <a:r>
+              <a:rPr lang="pt-BR" dirty="0" smtClean="0"/>
+              <a:t>nos três ambientes analisados em relação a técnica FP-SVR.</a:t>
             </a:r>
           </a:p>
           <a:p>
@@ -31331,8 +31597,13 @@
             </a:pPr>
             <a:r>
               <a:rPr lang="pt-BR" dirty="0" smtClean="0"/>
-              <a:t>Ambiente Outdoor: 9,94% de redução no erro médio;</a:t>
-            </a:r>
+              <a:t>Ambiente Outdoor: </a:t>
+            </a:r>
+            <a:r>
+              <a:rPr lang="pt-BR" dirty="0" smtClean="0"/>
+              <a:t>11,50%;</a:t>
+            </a:r>
+            <a:endParaRPr lang="pt-BR" dirty="0" smtClean="0"/>
           </a:p>
           <a:p>
             <a:pPr lvl="2" algn="just">
@@ -31341,16 +31612,17 @@
             </a:pPr>
             <a:r>
               <a:rPr lang="pt-BR" dirty="0" smtClean="0"/>
-              <a:t>Ambiente Indoor: 32,67% </a:t>
-            </a:r>
-            <a:r>
-              <a:rPr lang="pt-BR" dirty="0"/>
-              <a:t>de redução no erro </a:t>
+              <a:t>Ambiente Indoor: </a:t>
             </a:r>
             <a:r>
               <a:rPr lang="pt-BR" dirty="0" smtClean="0"/>
-              <a:t>médio;</a:t>
-            </a:r>
+              <a:t>5</a:t>
+            </a:r>
+            <a:r>
+              <a:rPr lang="pt-BR" dirty="0" smtClean="0"/>
+              <a:t>,43%;</a:t>
+            </a:r>
+            <a:endParaRPr lang="pt-BR" dirty="0" smtClean="0"/>
           </a:p>
           <a:p>
             <a:pPr lvl="2" algn="just">
@@ -31359,16 +31631,13 @@
             </a:pPr>
             <a:r>
               <a:rPr lang="pt-BR" dirty="0" smtClean="0"/>
-              <a:t>Ambiente Indoor-Outdoor: 30,40% de redução no </a:t>
-            </a:r>
-            <a:r>
-              <a:rPr lang="pt-BR" dirty="0"/>
-              <a:t>erro </a:t>
+              <a:t>Ambiente Indoor-Outdoor: </a:t>
             </a:r>
             <a:r>
               <a:rPr lang="pt-BR" dirty="0" smtClean="0"/>
-              <a:t>médio.</a:t>
-            </a:r>
+              <a:t>10,82%.</a:t>
+            </a:r>
+            <a:endParaRPr lang="pt-BR" dirty="0" smtClean="0"/>
           </a:p>
           <a:p>
             <a:pPr algn="just"/>
@@ -31384,7 +31653,19 @@
             </a:pPr>
             <a:r>
               <a:rPr lang="pt-BR" dirty="0" smtClean="0"/>
-              <a:t>FP-LightGBM obteve uma redução percentual de 44,85% em relação ao FP-SVR.</a:t>
+              <a:t>A técnica FP-</a:t>
+            </a:r>
+            <a:r>
+              <a:rPr lang="pt-BR" dirty="0" err="1" smtClean="0"/>
+              <a:t>LightGBM</a:t>
+            </a:r>
+            <a:r>
+              <a:rPr lang="pt-BR" dirty="0" smtClean="0"/>
+              <a:t> apresentou ser 6,67% mais veloz do que a técnica FP-SVR</a:t>
+            </a:r>
+            <a:r>
+              <a:rPr lang="pt-BR" dirty="0" smtClean="0"/>
+              <a:t>.</a:t>
             </a:r>
           </a:p>
           <a:p>
@@ -31398,14 +31679,27 @@
             <a:pPr lvl="1" algn="just"/>
             <a:r>
               <a:rPr lang="pt-BR" dirty="0" smtClean="0"/>
-              <a:t>Aproximadamente o mesmo tempo de busca</a:t>
-            </a:r>
+              <a:t>Aproximadamente o mesmo tempo de </a:t>
+            </a:r>
+            <a:r>
+              <a:rPr lang="pt-BR" dirty="0" smtClean="0"/>
+              <a:t>busca.</a:t>
+            </a:r>
+            <a:endParaRPr lang="pt-BR" dirty="0" smtClean="0"/>
           </a:p>
           <a:p>
             <a:pPr algn="just"/>
             <a:r>
               <a:rPr lang="pt-BR" dirty="0" smtClean="0"/>
-              <a:t>Ápice do consumo de memória:</a:t>
+              <a:t>Pico</a:t>
+            </a:r>
+            <a:r>
+              <a:rPr lang="pt-BR" dirty="0" smtClean="0"/>
+              <a:t> </a:t>
+            </a:r>
+            <a:r>
+              <a:rPr lang="pt-BR" dirty="0" smtClean="0"/>
+              <a:t>do consumo de memória:</a:t>
             </a:r>
           </a:p>
           <a:p>
@@ -31415,15 +31709,23 @@
             </a:pPr>
             <a:r>
               <a:rPr lang="pt-BR" dirty="0"/>
-              <a:t> FP-LightGBM obteve uma redução </a:t>
+              <a:t> FP-LightGBM obteve </a:t>
             </a:r>
             <a:r>
               <a:rPr lang="pt-BR" dirty="0" smtClean="0"/>
-              <a:t>de 4,83 MiB </a:t>
+              <a:t>um pico de consumo de memória de 5,41 </a:t>
+            </a:r>
+            <a:r>
+              <a:rPr lang="pt-BR" dirty="0" smtClean="0"/>
+              <a:t>MiB </a:t>
+            </a:r>
+            <a:r>
+              <a:rPr lang="pt-BR" dirty="0" smtClean="0"/>
+              <a:t>menor em </a:t>
             </a:r>
             <a:r>
               <a:rPr lang="pt-BR" dirty="0"/>
-              <a:t>em relação ao FP-SVR.</a:t>
+              <a:t>relação ao FP-SVR.</a:t>
             </a:r>
           </a:p>
         </p:txBody>
@@ -32393,11 +32695,7 @@
             </a:r>
             <a:r>
               <a:rPr lang="pt-BR" dirty="0" smtClean="0"/>
-              <a:t>Comparar resultados do uso </a:t>
-            </a:r>
-            <a:r>
-              <a:rPr lang="pt-BR" dirty="0" smtClean="0"/>
-              <a:t>dos algoritmos </a:t>
+              <a:t>Comparar resultados do uso dos algoritmos </a:t>
             </a:r>
             <a:r>
               <a:rPr lang="pt-BR" b="1" i="1" dirty="0" err="1" smtClean="0"/>
